--- a/宣道詩/(宣道詩103)有福的確據.pptx
+++ b/宣道詩/(宣道詩103)有福的確據.pptx
@@ -11,6 +11,13 @@
     <p:sldId id="259" r:id="rId5"/>
     <p:sldId id="260" r:id="rId6"/>
     <p:sldId id="261" r:id="rId7"/>
+    <p:sldId id="262" r:id="rId8"/>
+    <p:sldId id="263" r:id="rId9"/>
+    <p:sldId id="264" r:id="rId10"/>
+    <p:sldId id="265" r:id="rId11"/>
+    <p:sldId id="266" r:id="rId12"/>
+    <p:sldId id="267" r:id="rId13"/>
+    <p:sldId id="268" r:id="rId14"/>
   </p:sldIdLst>
   <p:sldSz cx="12192000" cy="6858000"/>
   <p:notesSz cx="6858000" cy="9144000"/>
@@ -309,7 +316,7 @@
           <a:p>
             <a:fld id="{0FAE10D4-71CF-4D34-82D9-09C2E9014CD6}" type="datetimeFigureOut">
               <a:rPr lang="zh-TW" altLang="en-US" smtClean="0"/>
-              <a:t>2020/5/9</a:t>
+              <a:t>2020/11/20</a:t>
             </a:fld>
             <a:endParaRPr lang="zh-TW" altLang="en-US"/>
           </a:p>
@@ -479,7 +486,7 @@
           <a:p>
             <a:fld id="{0FAE10D4-71CF-4D34-82D9-09C2E9014CD6}" type="datetimeFigureOut">
               <a:rPr lang="zh-TW" altLang="en-US" smtClean="0"/>
-              <a:t>2020/5/9</a:t>
+              <a:t>2020/11/20</a:t>
             </a:fld>
             <a:endParaRPr lang="zh-TW" altLang="en-US"/>
           </a:p>
@@ -659,7 +666,7 @@
           <a:p>
             <a:fld id="{0FAE10D4-71CF-4D34-82D9-09C2E9014CD6}" type="datetimeFigureOut">
               <a:rPr lang="zh-TW" altLang="en-US" smtClean="0"/>
-              <a:t>2020/5/9</a:t>
+              <a:t>2020/11/20</a:t>
             </a:fld>
             <a:endParaRPr lang="zh-TW" altLang="en-US"/>
           </a:p>
@@ -829,7 +836,7 @@
           <a:p>
             <a:fld id="{0FAE10D4-71CF-4D34-82D9-09C2E9014CD6}" type="datetimeFigureOut">
               <a:rPr lang="zh-TW" altLang="en-US" smtClean="0"/>
-              <a:t>2020/5/9</a:t>
+              <a:t>2020/11/20</a:t>
             </a:fld>
             <a:endParaRPr lang="zh-TW" altLang="en-US"/>
           </a:p>
@@ -1075,7 +1082,7 @@
           <a:p>
             <a:fld id="{0FAE10D4-71CF-4D34-82D9-09C2E9014CD6}" type="datetimeFigureOut">
               <a:rPr lang="zh-TW" altLang="en-US" smtClean="0"/>
-              <a:t>2020/5/9</a:t>
+              <a:t>2020/11/20</a:t>
             </a:fld>
             <a:endParaRPr lang="zh-TW" altLang="en-US"/>
           </a:p>
@@ -1363,7 +1370,7 @@
           <a:p>
             <a:fld id="{0FAE10D4-71CF-4D34-82D9-09C2E9014CD6}" type="datetimeFigureOut">
               <a:rPr lang="zh-TW" altLang="en-US" smtClean="0"/>
-              <a:t>2020/5/9</a:t>
+              <a:t>2020/11/20</a:t>
             </a:fld>
             <a:endParaRPr lang="zh-TW" altLang="en-US"/>
           </a:p>
@@ -1785,7 +1792,7 @@
           <a:p>
             <a:fld id="{0FAE10D4-71CF-4D34-82D9-09C2E9014CD6}" type="datetimeFigureOut">
               <a:rPr lang="zh-TW" altLang="en-US" smtClean="0"/>
-              <a:t>2020/5/9</a:t>
+              <a:t>2020/11/20</a:t>
             </a:fld>
             <a:endParaRPr lang="zh-TW" altLang="en-US"/>
           </a:p>
@@ -1903,7 +1910,7 @@
           <a:p>
             <a:fld id="{0FAE10D4-71CF-4D34-82D9-09C2E9014CD6}" type="datetimeFigureOut">
               <a:rPr lang="zh-TW" altLang="en-US" smtClean="0"/>
-              <a:t>2020/5/9</a:t>
+              <a:t>2020/11/20</a:t>
             </a:fld>
             <a:endParaRPr lang="zh-TW" altLang="en-US"/>
           </a:p>
@@ -1998,7 +2005,7 @@
           <a:p>
             <a:fld id="{0FAE10D4-71CF-4D34-82D9-09C2E9014CD6}" type="datetimeFigureOut">
               <a:rPr lang="zh-TW" altLang="en-US" smtClean="0"/>
-              <a:t>2020/5/9</a:t>
+              <a:t>2020/11/20</a:t>
             </a:fld>
             <a:endParaRPr lang="zh-TW" altLang="en-US"/>
           </a:p>
@@ -2275,7 +2282,7 @@
           <a:p>
             <a:fld id="{0FAE10D4-71CF-4D34-82D9-09C2E9014CD6}" type="datetimeFigureOut">
               <a:rPr lang="zh-TW" altLang="en-US" smtClean="0"/>
-              <a:t>2020/5/9</a:t>
+              <a:t>2020/11/20</a:t>
             </a:fld>
             <a:endParaRPr lang="zh-TW" altLang="en-US"/>
           </a:p>
@@ -2532,7 +2539,7 @@
           <a:p>
             <a:fld id="{0FAE10D4-71CF-4D34-82D9-09C2E9014CD6}" type="datetimeFigureOut">
               <a:rPr lang="zh-TW" altLang="en-US" smtClean="0"/>
-              <a:t>2020/5/9</a:t>
+              <a:t>2020/11/20</a:t>
             </a:fld>
             <a:endParaRPr lang="zh-TW" altLang="en-US"/>
           </a:p>
@@ -2750,7 +2757,7 @@
           <a:p>
             <a:fld id="{0FAE10D4-71CF-4D34-82D9-09C2E9014CD6}" type="datetimeFigureOut">
               <a:rPr lang="zh-TW" altLang="en-US" smtClean="0"/>
-              <a:t>2020/5/9</a:t>
+              <a:t>2020/11/20</a:t>
             </a:fld>
             <a:endParaRPr lang="zh-TW" altLang="en-US"/>
           </a:p>
@@ -3135,21 +3142,213 @@
             <p:ph type="title"/>
           </p:nvPr>
         </p:nvSpPr>
-        <p:spPr/>
+        <p:spPr>
+          <a:xfrm>
+            <a:off x="0" y="2857513"/>
+            <a:ext cx="12192000" cy="1143000"/>
+          </a:xfrm>
+        </p:spPr>
         <p:txBody>
           <a:bodyPr>
+            <a:noAutofit/>
+          </a:bodyPr>
+          <a:lstStyle/>
+          <a:p>
+            <a:r>
+              <a:rPr lang="zh-CN" altLang="en-US" sz="5333" b="1" u="sng" dirty="0">
+                <a:solidFill>
+                  <a:srgbClr val="000066"/>
+                </a:solidFill>
+                <a:effectLst>
+                  <a:outerShdw blurRad="38100" dist="38100" dir="2700000" algn="tl">
+                    <a:srgbClr val="000000">
+                      <a:alpha val="43137"/>
+                    </a:srgbClr>
+                  </a:outerShdw>
+                </a:effectLst>
+                <a:latin typeface="微軟正黑體" pitchFamily="34" charset="-120"/>
+                <a:ea typeface="微軟正黑體" pitchFamily="34" charset="-120"/>
+              </a:rPr>
+              <a:t>宣道詩 </a:t>
+            </a:r>
+            <a:r>
+              <a:rPr lang="en-US" altLang="zh-CN" sz="5333" b="1" u="sng" dirty="0">
+                <a:solidFill>
+                  <a:srgbClr val="000066"/>
+                </a:solidFill>
+                <a:effectLst>
+                  <a:outerShdw blurRad="38100" dist="38100" dir="2700000" algn="tl">
+                    <a:srgbClr val="000000">
+                      <a:alpha val="43137"/>
+                    </a:srgbClr>
+                  </a:outerShdw>
+                </a:effectLst>
+                <a:latin typeface="微軟正黑體" pitchFamily="34" charset="-120"/>
+                <a:ea typeface="微軟正黑體" pitchFamily="34" charset="-120"/>
+              </a:rPr>
+              <a:t>103</a:t>
+            </a:r>
+            <a:r>
+              <a:rPr lang="en-US" altLang="zh-CN" sz="7200" b="1" i="1" dirty="0">
+                <a:solidFill>
+                  <a:srgbClr val="660033"/>
+                </a:solidFill>
+                <a:effectLst>
+                  <a:outerShdw blurRad="38100" dist="38100" dir="2700000" algn="tl">
+                    <a:srgbClr val="000000">
+                      <a:alpha val="43137"/>
+                    </a:srgbClr>
+                  </a:outerShdw>
+                </a:effectLst>
+                <a:latin typeface="微軟正黑體" pitchFamily="34" charset="-120"/>
+                <a:ea typeface="微軟正黑體" pitchFamily="34" charset="-120"/>
+              </a:rPr>
+              <a:t/>
+            </a:r>
+            <a:br>
+              <a:rPr lang="en-US" altLang="zh-CN" sz="7200" b="1" i="1" dirty="0">
+                <a:solidFill>
+                  <a:srgbClr val="660033"/>
+                </a:solidFill>
+                <a:effectLst>
+                  <a:outerShdw blurRad="38100" dist="38100" dir="2700000" algn="tl">
+                    <a:srgbClr val="000000">
+                      <a:alpha val="43137"/>
+                    </a:srgbClr>
+                  </a:outerShdw>
+                </a:effectLst>
+                <a:latin typeface="微軟正黑體" pitchFamily="34" charset="-120"/>
+                <a:ea typeface="微軟正黑體" pitchFamily="34" charset="-120"/>
+              </a:rPr>
+            </a:br>
+            <a:r>
+              <a:rPr lang="zh-TW" altLang="en-US" sz="8000" b="1" dirty="0">
+                <a:solidFill>
+                  <a:srgbClr val="660033"/>
+                </a:solidFill>
+                <a:effectLst>
+                  <a:outerShdw blurRad="38100" dist="38100" dir="2700000" algn="tl">
+                    <a:srgbClr val="000000">
+                      <a:alpha val="43137"/>
+                    </a:srgbClr>
+                  </a:outerShdw>
+                </a:effectLst>
+                <a:latin typeface="微軟正黑體" pitchFamily="34" charset="-120"/>
+                <a:ea typeface="微軟正黑體" pitchFamily="34" charset="-120"/>
+              </a:rPr>
+              <a:t>有</a:t>
+            </a:r>
+            <a:r>
+              <a:rPr lang="zh-TW" altLang="en-US" sz="8000" b="1" dirty="0">
+                <a:solidFill>
+                  <a:srgbClr val="660033"/>
+                </a:solidFill>
+                <a:effectLst>
+                  <a:outerShdw blurRad="38100" dist="38100" dir="2700000" algn="tl">
+                    <a:srgbClr val="000000">
+                      <a:alpha val="43137"/>
+                    </a:srgbClr>
+                  </a:outerShdw>
+                </a:effectLst>
+                <a:latin typeface="微軟正黑體" pitchFamily="34" charset="-120"/>
+                <a:ea typeface="微軟正黑體" pitchFamily="34" charset="-120"/>
+              </a:rPr>
+              <a:t>福的確據</a:t>
+            </a:r>
+          </a:p>
+        </p:txBody>
+      </p:sp>
+    </p:spTree>
+    <p:extLst>
+      <p:ext uri="{BB962C8B-B14F-4D97-AF65-F5344CB8AC3E}">
+        <p14:creationId xmlns:p14="http://schemas.microsoft.com/office/powerpoint/2010/main" val="3815689307"/>
+      </p:ext>
+    </p:extLst>
+  </p:cSld>
+  <p:clrMapOvr>
+    <a:masterClrMapping/>
+  </p:clrMapOvr>
+  <p:timing>
+    <p:tnLst>
+      <p:par>
+        <p:cTn id="1" dur="indefinite" restart="never" nodeType="tmRoot"/>
+      </p:par>
+    </p:tnLst>
+  </p:timing>
+</p:sld>
+</file>
+
+<file path=ppt/slides/slide10.xml><?xml version="1.0" encoding="utf-8"?>
+<p:sld xmlns:a="http://schemas.openxmlformats.org/drawingml/2006/main" xmlns:r="http://schemas.openxmlformats.org/officeDocument/2006/relationships" xmlns:p="http://schemas.openxmlformats.org/presentationml/2006/main">
+  <p:cSld>
+    <p:spTree>
+      <p:nvGrpSpPr>
+        <p:cNvPr id="1" name=""/>
+        <p:cNvGrpSpPr/>
+        <p:nvPr/>
+      </p:nvGrpSpPr>
+      <p:grpSpPr>
+        <a:xfrm>
+          <a:off x="0" y="0"/>
+          <a:ext cx="0" cy="0"/>
+          <a:chOff x="0" y="0"/>
+          <a:chExt cx="0" cy="0"/>
+        </a:xfrm>
+      </p:grpSpPr>
+      <p:sp>
+        <p:nvSpPr>
+          <p:cNvPr id="5" name="內容版面配置區 4"/>
+          <p:cNvSpPr>
+            <a:spLocks noGrp="1"/>
+          </p:cNvSpPr>
+          <p:nvPr>
+            <p:ph idx="1"/>
+          </p:nvPr>
+        </p:nvSpPr>
+        <p:spPr>
+          <a:xfrm>
+            <a:off x="0" y="2084853"/>
+            <a:ext cx="12192000" cy="2404863"/>
+          </a:xfrm>
+        </p:spPr>
+        <p:txBody>
+          <a:bodyPr anchor="ctr">
             <a:normAutofit/>
           </a:bodyPr>
           <a:lstStyle/>
           <a:p>
-            <a:r>
-              <a:rPr lang="zh-TW" altLang="en-US" sz="4800" b="1" dirty="0" smtClean="0">
+            <a:pPr lvl="0" algn="ctr">
+              <a:buNone/>
+            </a:pPr>
+            <a:r>
+              <a:rPr lang="zh-TW" altLang="en-US" sz="6400" b="1" dirty="0">
+                <a:solidFill>
+                  <a:srgbClr val="660033"/>
+                </a:solidFill>
                 <a:latin typeface="Microsoft JhengHei" panose="020B0604030504040204" pitchFamily="34" charset="-120"/>
                 <a:ea typeface="Microsoft JhengHei" panose="020B0604030504040204" pitchFamily="34" charset="-120"/>
               </a:rPr>
-              <a:t>有福的確據</a:t>
-            </a:r>
-            <a:endParaRPr lang="zh-TW" altLang="en-US" sz="4800" b="1" dirty="0">
+              <a:t>完全獻與主  萬事安寧</a:t>
+            </a:r>
+          </a:p>
+          <a:p>
+            <a:pPr algn="ctr">
+              <a:buNone/>
+            </a:pPr>
+            <a:r>
+              <a:rPr lang="zh-TW" altLang="en-US" sz="6400" b="1" dirty="0">
+                <a:solidFill>
+                  <a:srgbClr val="660033"/>
+                </a:solidFill>
+                <a:latin typeface="Microsoft JhengHei" panose="020B0604030504040204" pitchFamily="34" charset="-120"/>
+                <a:ea typeface="Microsoft JhengHei" panose="020B0604030504040204" pitchFamily="34" charset="-120"/>
+              </a:rPr>
+              <a:t>榮耀的聖靈  充滿我心</a:t>
+            </a:r>
+            <a:endParaRPr lang="en-US" altLang="zh-TW" sz="6400" b="1" dirty="0">
+              <a:solidFill>
+                <a:srgbClr val="660033"/>
+              </a:solidFill>
               <a:latin typeface="Microsoft JhengHei" panose="020B0604030504040204" pitchFamily="34" charset="-120"/>
               <a:ea typeface="Microsoft JhengHei" panose="020B0604030504040204" pitchFamily="34" charset="-120"/>
             </a:endParaRPr>
@@ -3158,84 +3357,14 @@
       </p:sp>
       <p:sp>
         <p:nvSpPr>
-          <p:cNvPr id="5" name="內容版面配置區 4"/>
-          <p:cNvSpPr>
-            <a:spLocks noGrp="1"/>
-          </p:cNvSpPr>
-          <p:nvPr>
-            <p:ph idx="1"/>
-          </p:nvPr>
-        </p:nvSpPr>
-        <p:spPr/>
-        <p:txBody>
-          <a:bodyPr>
-            <a:normAutofit/>
-          </a:bodyPr>
-          <a:lstStyle/>
-          <a:p>
-            <a:pPr lvl="0" algn="ctr">
-              <a:buNone/>
-            </a:pPr>
-            <a:r>
-              <a:rPr lang="zh-TW" altLang="en-US" sz="5400" b="1" dirty="0">
-                <a:latin typeface="Microsoft JhengHei" panose="020B0604030504040204" pitchFamily="34" charset="-120"/>
-                <a:ea typeface="Microsoft JhengHei" panose="020B0604030504040204" pitchFamily="34" charset="-120"/>
-              </a:rPr>
-              <a:t>有福的確據 耶穌屬我</a:t>
-            </a:r>
-          </a:p>
-          <a:p>
-            <a:pPr algn="ctr">
-              <a:buNone/>
-            </a:pPr>
-            <a:r>
-              <a:rPr lang="zh-TW" altLang="en-US" sz="5400" b="1" dirty="0">
-                <a:latin typeface="Microsoft JhengHei" panose="020B0604030504040204" pitchFamily="34" charset="-120"/>
-                <a:ea typeface="Microsoft JhengHei" panose="020B0604030504040204" pitchFamily="34" charset="-120"/>
-              </a:rPr>
-              <a:t>何等的榮耀 向我顯明</a:t>
-            </a:r>
-            <a:endParaRPr lang="en-US" altLang="zh-TW" sz="5400" b="1" dirty="0">
-              <a:latin typeface="Microsoft JhengHei" panose="020B0604030504040204" pitchFamily="34" charset="-120"/>
-              <a:ea typeface="Microsoft JhengHei" panose="020B0604030504040204" pitchFamily="34" charset="-120"/>
-            </a:endParaRPr>
-          </a:p>
-          <a:p>
-            <a:pPr algn="ctr">
-              <a:buNone/>
-            </a:pPr>
-            <a:r>
-              <a:rPr lang="zh-TW" altLang="en-US" sz="5400" b="1" dirty="0">
-                <a:latin typeface="Microsoft JhengHei" panose="020B0604030504040204" pitchFamily="34" charset="-120"/>
-                <a:ea typeface="Microsoft JhengHei" panose="020B0604030504040204" pitchFamily="34" charset="-120"/>
-              </a:rPr>
-              <a:t>被救主贖回 為神後嗣</a:t>
-            </a:r>
-          </a:p>
-          <a:p>
-            <a:pPr algn="ctr">
-              <a:buNone/>
-            </a:pPr>
-            <a:r>
-              <a:rPr lang="zh-TW" altLang="en-US" sz="5400" b="1" dirty="0">
-                <a:latin typeface="Microsoft JhengHei" panose="020B0604030504040204" pitchFamily="34" charset="-120"/>
-                <a:ea typeface="Microsoft JhengHei" panose="020B0604030504040204" pitchFamily="34" charset="-120"/>
-              </a:rPr>
-              <a:t>罪全得洗淨 聖靈再生</a:t>
-            </a:r>
-          </a:p>
-        </p:txBody>
-      </p:sp>
-      <p:sp>
-        <p:nvSpPr>
-          <p:cNvPr id="2" name="TextBox 1"/>
+          <p:cNvPr id="3" name="TextBox 2"/>
           <p:cNvSpPr txBox="1"/>
           <p:nvPr/>
         </p:nvSpPr>
         <p:spPr>
           <a:xfrm>
-            <a:off x="1127448" y="1625105"/>
-            <a:ext cx="1008112" cy="923330"/>
+            <a:off x="527381" y="2180862"/>
+            <a:ext cx="1248139" cy="1200329"/>
           </a:xfrm>
           <a:prstGeom prst="rect">
             <a:avLst/>
@@ -3249,18 +3378,383 @@
           <a:lstStyle/>
           <a:p>
             <a:r>
-              <a:rPr lang="en-US" sz="5400" b="1" dirty="0" smtClean="0"/>
-              <a:t>1.</a:t>
-            </a:r>
-            <a:endParaRPr lang="vi-VN" sz="5400" b="1" dirty="0"/>
+              <a:rPr lang="en-US" sz="7200" b="1" dirty="0">
+                <a:solidFill>
+                  <a:srgbClr val="660033"/>
+                </a:solidFill>
+              </a:rPr>
+              <a:t>3</a:t>
+            </a:r>
+            <a:r>
+              <a:rPr lang="en-US" sz="7200" b="1" dirty="0">
+                <a:solidFill>
+                  <a:srgbClr val="660033"/>
+                </a:solidFill>
+              </a:rPr>
+              <a:t>.</a:t>
+            </a:r>
+            <a:endParaRPr lang="vi-VN" sz="7200" b="1" dirty="0">
+              <a:solidFill>
+                <a:srgbClr val="660033"/>
+              </a:solidFill>
+            </a:endParaRPr>
           </a:p>
         </p:txBody>
       </p:sp>
     </p:spTree>
+    <p:extLst>
+      <p:ext uri="{BB962C8B-B14F-4D97-AF65-F5344CB8AC3E}">
+        <p14:creationId xmlns:p14="http://schemas.microsoft.com/office/powerpoint/2010/main" val="4134585606"/>
+      </p:ext>
+    </p:extLst>
   </p:cSld>
   <p:clrMapOvr>
     <a:masterClrMapping/>
   </p:clrMapOvr>
+  <p:timing>
+    <p:tnLst>
+      <p:par>
+        <p:cTn id="1" dur="indefinite" restart="never" nodeType="tmRoot"/>
+      </p:par>
+    </p:tnLst>
+  </p:timing>
+</p:sld>
+</file>
+
+<file path=ppt/slides/slide11.xml><?xml version="1.0" encoding="utf-8"?>
+<p:sld xmlns:a="http://schemas.openxmlformats.org/drawingml/2006/main" xmlns:r="http://schemas.openxmlformats.org/officeDocument/2006/relationships" xmlns:p="http://schemas.openxmlformats.org/presentationml/2006/main">
+  <p:cSld>
+    <p:spTree>
+      <p:nvGrpSpPr>
+        <p:cNvPr id="1" name=""/>
+        <p:cNvGrpSpPr/>
+        <p:nvPr/>
+      </p:nvGrpSpPr>
+      <p:grpSpPr>
+        <a:xfrm>
+          <a:off x="0" y="0"/>
+          <a:ext cx="0" cy="0"/>
+          <a:chOff x="0" y="0"/>
+          <a:chExt cx="0" cy="0"/>
+        </a:xfrm>
+      </p:grpSpPr>
+      <p:sp>
+        <p:nvSpPr>
+          <p:cNvPr id="5" name="內容版面配置區 4"/>
+          <p:cNvSpPr>
+            <a:spLocks noGrp="1"/>
+          </p:cNvSpPr>
+          <p:nvPr>
+            <p:ph idx="1"/>
+          </p:nvPr>
+        </p:nvSpPr>
+        <p:spPr>
+          <a:xfrm>
+            <a:off x="0" y="2084853"/>
+            <a:ext cx="12192000" cy="2404863"/>
+          </a:xfrm>
+        </p:spPr>
+        <p:txBody>
+          <a:bodyPr anchor="ctr">
+            <a:normAutofit/>
+          </a:bodyPr>
+          <a:lstStyle/>
+          <a:p>
+            <a:pPr algn="ctr">
+              <a:buNone/>
+            </a:pPr>
+            <a:r>
+              <a:rPr lang="zh-TW" altLang="en-US" sz="6400" b="1" dirty="0">
+                <a:solidFill>
+                  <a:srgbClr val="660033"/>
+                </a:solidFill>
+                <a:latin typeface="Microsoft JhengHei" panose="020B0604030504040204" pitchFamily="34" charset="-120"/>
+                <a:ea typeface="Microsoft JhengHei" panose="020B0604030504040204" pitchFamily="34" charset="-120"/>
+              </a:rPr>
+              <a:t>時刻仰望主  儆醒等候</a:t>
+            </a:r>
+          </a:p>
+          <a:p>
+            <a:pPr algn="ctr">
+              <a:buNone/>
+            </a:pPr>
+            <a:r>
+              <a:rPr lang="zh-TW" altLang="en-US" sz="6400" b="1" dirty="0">
+                <a:solidFill>
+                  <a:srgbClr val="660033"/>
+                </a:solidFill>
+                <a:latin typeface="Microsoft JhengHei" panose="020B0604030504040204" pitchFamily="34" charset="-120"/>
+                <a:ea typeface="Microsoft JhengHei" panose="020B0604030504040204" pitchFamily="34" charset="-120"/>
+              </a:rPr>
+              <a:t>不住的祈禱  到主再臨</a:t>
+            </a:r>
+            <a:endParaRPr lang="zh-TW" altLang="en-US" sz="6400" b="1" dirty="0">
+              <a:solidFill>
+                <a:srgbClr val="660033"/>
+              </a:solidFill>
+              <a:latin typeface="Microsoft JhengHei" panose="020B0604030504040204" pitchFamily="34" charset="-120"/>
+              <a:ea typeface="Microsoft JhengHei" panose="020B0604030504040204" pitchFamily="34" charset="-120"/>
+            </a:endParaRPr>
+          </a:p>
+        </p:txBody>
+      </p:sp>
+      <p:sp>
+        <p:nvSpPr>
+          <p:cNvPr id="3" name="TextBox 2"/>
+          <p:cNvSpPr txBox="1"/>
+          <p:nvPr/>
+        </p:nvSpPr>
+        <p:spPr>
+          <a:xfrm>
+            <a:off x="527381" y="2180862"/>
+            <a:ext cx="1248139" cy="1200329"/>
+          </a:xfrm>
+          <a:prstGeom prst="rect">
+            <a:avLst/>
+          </a:prstGeom>
+          <a:noFill/>
+        </p:spPr>
+        <p:txBody>
+          <a:bodyPr wrap="square" rtlCol="0">
+            <a:spAutoFit/>
+          </a:bodyPr>
+          <a:lstStyle/>
+          <a:p>
+            <a:r>
+              <a:rPr lang="en-US" sz="7200" b="1" dirty="0">
+                <a:solidFill>
+                  <a:srgbClr val="660033"/>
+                </a:solidFill>
+              </a:rPr>
+              <a:t>3</a:t>
+            </a:r>
+            <a:r>
+              <a:rPr lang="en-US" sz="7200" b="1" dirty="0">
+                <a:solidFill>
+                  <a:srgbClr val="660033"/>
+                </a:solidFill>
+              </a:rPr>
+              <a:t>.</a:t>
+            </a:r>
+            <a:endParaRPr lang="vi-VN" sz="7200" b="1" dirty="0">
+              <a:solidFill>
+                <a:srgbClr val="660033"/>
+              </a:solidFill>
+            </a:endParaRPr>
+          </a:p>
+        </p:txBody>
+      </p:sp>
+    </p:spTree>
+    <p:extLst>
+      <p:ext uri="{BB962C8B-B14F-4D97-AF65-F5344CB8AC3E}">
+        <p14:creationId xmlns:p14="http://schemas.microsoft.com/office/powerpoint/2010/main" val="3293002091"/>
+      </p:ext>
+    </p:extLst>
+  </p:cSld>
+  <p:clrMapOvr>
+    <a:masterClrMapping/>
+  </p:clrMapOvr>
+  <p:timing>
+    <p:tnLst>
+      <p:par>
+        <p:cTn id="1" dur="indefinite" restart="never" nodeType="tmRoot"/>
+      </p:par>
+    </p:tnLst>
+  </p:timing>
+</p:sld>
+</file>
+
+<file path=ppt/slides/slide12.xml><?xml version="1.0" encoding="utf-8"?>
+<p:sld xmlns:a="http://schemas.openxmlformats.org/drawingml/2006/main" xmlns:r="http://schemas.openxmlformats.org/officeDocument/2006/relationships" xmlns:p="http://schemas.openxmlformats.org/presentationml/2006/main">
+  <p:cSld>
+    <p:spTree>
+      <p:nvGrpSpPr>
+        <p:cNvPr id="1" name=""/>
+        <p:cNvGrpSpPr/>
+        <p:nvPr/>
+      </p:nvGrpSpPr>
+      <p:grpSpPr>
+        <a:xfrm>
+          <a:off x="0" y="0"/>
+          <a:ext cx="0" cy="0"/>
+          <a:chOff x="0" y="0"/>
+          <a:chExt cx="0" cy="0"/>
+        </a:xfrm>
+      </p:grpSpPr>
+      <p:sp>
+        <p:nvSpPr>
+          <p:cNvPr id="5" name="內容版面配置區 4"/>
+          <p:cNvSpPr>
+            <a:spLocks noGrp="1"/>
+          </p:cNvSpPr>
+          <p:nvPr>
+            <p:ph idx="1"/>
+          </p:nvPr>
+        </p:nvSpPr>
+        <p:spPr>
+          <a:xfrm>
+            <a:off x="0" y="2084853"/>
+            <a:ext cx="12192000" cy="2404863"/>
+          </a:xfrm>
+        </p:spPr>
+        <p:txBody>
+          <a:bodyPr anchor="ctr">
+            <a:normAutofit/>
+          </a:bodyPr>
+          <a:lstStyle/>
+          <a:p>
+            <a:pPr algn="ctr">
+              <a:buNone/>
+            </a:pPr>
+            <a:r>
+              <a:rPr lang="zh-TW" altLang="en-US" sz="6400" b="1" dirty="0">
+                <a:solidFill>
+                  <a:srgbClr val="660033"/>
+                </a:solidFill>
+                <a:latin typeface="Microsoft JhengHei" panose="020B0604030504040204" pitchFamily="34" charset="-120"/>
+                <a:ea typeface="Microsoft JhengHei" panose="020B0604030504040204" pitchFamily="34" charset="-120"/>
+              </a:rPr>
+              <a:t>這是我信息  或講或唱</a:t>
+            </a:r>
+          </a:p>
+          <a:p>
+            <a:pPr algn="ctr">
+              <a:buNone/>
+            </a:pPr>
+            <a:r>
+              <a:rPr lang="zh-TW" altLang="en-US" sz="6400" b="1" dirty="0">
+                <a:solidFill>
+                  <a:srgbClr val="660033"/>
+                </a:solidFill>
+                <a:latin typeface="Microsoft JhengHei" panose="020B0604030504040204" pitchFamily="34" charset="-120"/>
+                <a:ea typeface="Microsoft JhengHei" panose="020B0604030504040204" pitchFamily="34" charset="-120"/>
+              </a:rPr>
+              <a:t>讚美我救主心裡快暢</a:t>
+            </a:r>
+            <a:endParaRPr lang="en-US" altLang="zh-TW" sz="6400" b="1" dirty="0">
+              <a:solidFill>
+                <a:srgbClr val="660033"/>
+              </a:solidFill>
+              <a:latin typeface="Microsoft JhengHei" panose="020B0604030504040204" pitchFamily="34" charset="-120"/>
+              <a:ea typeface="Microsoft JhengHei" panose="020B0604030504040204" pitchFamily="34" charset="-120"/>
+            </a:endParaRPr>
+          </a:p>
+        </p:txBody>
+      </p:sp>
+    </p:spTree>
+    <p:extLst>
+      <p:ext uri="{BB962C8B-B14F-4D97-AF65-F5344CB8AC3E}">
+        <p14:creationId xmlns:p14="http://schemas.microsoft.com/office/powerpoint/2010/main" val="3733339279"/>
+      </p:ext>
+    </p:extLst>
+  </p:cSld>
+  <p:clrMapOvr>
+    <a:masterClrMapping/>
+  </p:clrMapOvr>
+  <p:timing>
+    <p:tnLst>
+      <p:par>
+        <p:cTn id="1" dur="indefinite" restart="never" nodeType="tmRoot"/>
+      </p:par>
+    </p:tnLst>
+  </p:timing>
+</p:sld>
+</file>
+
+<file path=ppt/slides/slide13.xml><?xml version="1.0" encoding="utf-8"?>
+<p:sld xmlns:a="http://schemas.openxmlformats.org/drawingml/2006/main" xmlns:r="http://schemas.openxmlformats.org/officeDocument/2006/relationships" xmlns:p="http://schemas.openxmlformats.org/presentationml/2006/main">
+  <p:cSld>
+    <p:spTree>
+      <p:nvGrpSpPr>
+        <p:cNvPr id="1" name=""/>
+        <p:cNvGrpSpPr/>
+        <p:nvPr/>
+      </p:nvGrpSpPr>
+      <p:grpSpPr>
+        <a:xfrm>
+          <a:off x="0" y="0"/>
+          <a:ext cx="0" cy="0"/>
+          <a:chOff x="0" y="0"/>
+          <a:chExt cx="0" cy="0"/>
+        </a:xfrm>
+      </p:grpSpPr>
+      <p:sp>
+        <p:nvSpPr>
+          <p:cNvPr id="5" name="內容版面配置區 4"/>
+          <p:cNvSpPr>
+            <a:spLocks noGrp="1"/>
+          </p:cNvSpPr>
+          <p:nvPr>
+            <p:ph idx="1"/>
+          </p:nvPr>
+        </p:nvSpPr>
+        <p:spPr>
+          <a:xfrm>
+            <a:off x="0" y="2084853"/>
+            <a:ext cx="12192000" cy="2404863"/>
+          </a:xfrm>
+        </p:spPr>
+        <p:txBody>
+          <a:bodyPr anchor="ctr">
+            <a:normAutofit/>
+          </a:bodyPr>
+          <a:lstStyle/>
+          <a:p>
+            <a:pPr algn="ctr">
+              <a:buNone/>
+            </a:pPr>
+            <a:r>
+              <a:rPr lang="zh-TW" altLang="en-US" sz="6400" b="1" dirty="0">
+                <a:solidFill>
+                  <a:srgbClr val="660033"/>
+                </a:solidFill>
+                <a:latin typeface="Microsoft JhengHei" panose="020B0604030504040204" pitchFamily="34" charset="-120"/>
+                <a:ea typeface="Microsoft JhengHei" panose="020B0604030504040204" pitchFamily="34" charset="-120"/>
+              </a:rPr>
+              <a:t>常談主慈愛並頌主恩</a:t>
+            </a:r>
+          </a:p>
+          <a:p>
+            <a:pPr algn="ctr">
+              <a:buNone/>
+            </a:pPr>
+            <a:r>
+              <a:rPr lang="zh-TW" altLang="en-US" sz="6400" b="1" dirty="0">
+                <a:solidFill>
+                  <a:srgbClr val="660033"/>
+                </a:solidFill>
+                <a:latin typeface="Microsoft JhengHei" panose="020B0604030504040204" pitchFamily="34" charset="-120"/>
+                <a:ea typeface="Microsoft JhengHei" panose="020B0604030504040204" pitchFamily="34" charset="-120"/>
+              </a:rPr>
+              <a:t>讚美我救主  晝夜不分</a:t>
+            </a:r>
+            <a:endParaRPr lang="zh-TW" altLang="en-US" sz="6400" b="1" dirty="0">
+              <a:solidFill>
+                <a:srgbClr val="660033"/>
+              </a:solidFill>
+              <a:latin typeface="Microsoft JhengHei" panose="020B0604030504040204" pitchFamily="34" charset="-120"/>
+              <a:ea typeface="Microsoft JhengHei" panose="020B0604030504040204" pitchFamily="34" charset="-120"/>
+            </a:endParaRPr>
+          </a:p>
+        </p:txBody>
+      </p:sp>
+    </p:spTree>
+    <p:extLst>
+      <p:ext uri="{BB962C8B-B14F-4D97-AF65-F5344CB8AC3E}">
+        <p14:creationId xmlns:p14="http://schemas.microsoft.com/office/powerpoint/2010/main" val="712366441"/>
+      </p:ext>
+    </p:extLst>
+  </p:cSld>
+  <p:clrMapOvr>
+    <a:masterClrMapping/>
+  </p:clrMapOvr>
+  <p:timing>
+    <p:tnLst>
+      <p:par>
+        <p:cTn id="1" dur="indefinite" restart="never" nodeType="tmRoot"/>
+      </p:par>
+    </p:tnLst>
+  </p:timing>
 </p:sld>
 </file>
 
@@ -3283,29 +3777,58 @@
       </p:grpSpPr>
       <p:sp>
         <p:nvSpPr>
-          <p:cNvPr id="4" name="標題 3"/>
-          <p:cNvSpPr>
-            <a:spLocks noGrp="1"/>
-          </p:cNvSpPr>
-          <p:nvPr>
-            <p:ph type="title"/>
-          </p:nvPr>
-        </p:nvSpPr>
-        <p:spPr/>
-        <p:txBody>
-          <a:bodyPr>
+          <p:cNvPr id="5" name="內容版面配置區 4"/>
+          <p:cNvSpPr>
+            <a:spLocks noGrp="1"/>
+          </p:cNvSpPr>
+          <p:nvPr>
+            <p:ph idx="1"/>
+          </p:nvPr>
+        </p:nvSpPr>
+        <p:spPr>
+          <a:xfrm>
+            <a:off x="0" y="2084853"/>
+            <a:ext cx="12192000" cy="2404863"/>
+          </a:xfrm>
+        </p:spPr>
+        <p:txBody>
+          <a:bodyPr anchor="ctr">
             <a:normAutofit/>
           </a:bodyPr>
           <a:lstStyle/>
           <a:p>
-            <a:r>
-              <a:rPr lang="zh-TW" altLang="en-US" sz="4800" b="1" dirty="0">
+            <a:pPr lvl="0" algn="ctr">
+              <a:buNone/>
+            </a:pPr>
+            <a:r>
+              <a:rPr lang="zh-TW" altLang="en-US" sz="6400" b="1" dirty="0">
+                <a:solidFill>
+                  <a:srgbClr val="660033"/>
+                </a:solidFill>
                 <a:latin typeface="Microsoft JhengHei" panose="020B0604030504040204" pitchFamily="34" charset="-120"/>
                 <a:ea typeface="Microsoft JhengHei" panose="020B0604030504040204" pitchFamily="34" charset="-120"/>
               </a:rPr>
-              <a:t>有福的確據</a:t>
-            </a:r>
-            <a:endParaRPr lang="zh-TW" altLang="en-US" sz="4800" b="1" dirty="0">
+              <a:t>有福的確據  耶穌屬我</a:t>
+            </a:r>
+          </a:p>
+          <a:p>
+            <a:pPr algn="ctr">
+              <a:buNone/>
+            </a:pPr>
+            <a:r>
+              <a:rPr lang="zh-TW" altLang="en-US" sz="6400" b="1" dirty="0">
+                <a:solidFill>
+                  <a:srgbClr val="660033"/>
+                </a:solidFill>
+                <a:latin typeface="Microsoft JhengHei" panose="020B0604030504040204" pitchFamily="34" charset="-120"/>
+                <a:ea typeface="Microsoft JhengHei" panose="020B0604030504040204" pitchFamily="34" charset="-120"/>
+              </a:rPr>
+              <a:t>何等的榮耀   向我顯明</a:t>
+            </a:r>
+            <a:endParaRPr lang="en-US" altLang="zh-TW" sz="6400" b="1" dirty="0">
+              <a:solidFill>
+                <a:srgbClr val="660033"/>
+              </a:solidFill>
               <a:latin typeface="Microsoft JhengHei" panose="020B0604030504040204" pitchFamily="34" charset="-120"/>
               <a:ea typeface="Microsoft JhengHei" panose="020B0604030504040204" pitchFamily="34" charset="-120"/>
             </a:endParaRPr>
@@ -3314,79 +3837,59 @@
       </p:sp>
       <p:sp>
         <p:nvSpPr>
-          <p:cNvPr id="5" name="內容版面配置區 4"/>
-          <p:cNvSpPr>
-            <a:spLocks noGrp="1"/>
-          </p:cNvSpPr>
-          <p:nvPr>
-            <p:ph idx="1"/>
-          </p:nvPr>
-        </p:nvSpPr>
-        <p:spPr/>
-        <p:txBody>
-          <a:bodyPr>
-            <a:normAutofit/>
+          <p:cNvPr id="3" name="TextBox 2"/>
+          <p:cNvSpPr txBox="1"/>
+          <p:nvPr/>
+        </p:nvSpPr>
+        <p:spPr>
+          <a:xfrm>
+            <a:off x="527381" y="2180862"/>
+            <a:ext cx="1248139" cy="1200329"/>
+          </a:xfrm>
+          <a:prstGeom prst="rect">
+            <a:avLst/>
+          </a:prstGeom>
+          <a:noFill/>
+        </p:spPr>
+        <p:txBody>
+          <a:bodyPr wrap="square" rtlCol="0">
+            <a:spAutoFit/>
           </a:bodyPr>
           <a:lstStyle/>
           <a:p>
-            <a:pPr algn="ctr">
-              <a:buNone/>
-            </a:pPr>
-            <a:r>
-              <a:rPr lang="zh-TW" altLang="en-US" sz="5400" b="1" dirty="0">
-                <a:latin typeface="Microsoft JhengHei" panose="020B0604030504040204" pitchFamily="34" charset="-120"/>
-                <a:ea typeface="Microsoft JhengHei" panose="020B0604030504040204" pitchFamily="34" charset="-120"/>
+            <a:r>
+              <a:rPr lang="en-US" sz="7200" b="1" dirty="0">
+                <a:solidFill>
+                  <a:srgbClr val="660033"/>
+                </a:solidFill>
               </a:rPr>
-              <a:t>這是我信息 或講或唱</a:t>
-            </a:r>
-          </a:p>
-          <a:p>
-            <a:pPr algn="ctr">
-              <a:buNone/>
-            </a:pPr>
-            <a:r>
-              <a:rPr lang="zh-TW" altLang="en-US" sz="5400" b="1" dirty="0">
-                <a:latin typeface="Microsoft JhengHei" panose="020B0604030504040204" pitchFamily="34" charset="-120"/>
-                <a:ea typeface="Microsoft JhengHei" panose="020B0604030504040204" pitchFamily="34" charset="-120"/>
-              </a:rPr>
-              <a:t>讚美我救主心裡快暢</a:t>
-            </a:r>
-            <a:endParaRPr lang="en-US" altLang="zh-TW" sz="5400" b="1" dirty="0">
-              <a:latin typeface="Microsoft JhengHei" panose="020B0604030504040204" pitchFamily="34" charset="-120"/>
-              <a:ea typeface="Microsoft JhengHei" panose="020B0604030504040204" pitchFamily="34" charset="-120"/>
+              <a:t>1.</a:t>
+            </a:r>
+            <a:endParaRPr lang="vi-VN" sz="7200" b="1" dirty="0">
+              <a:solidFill>
+                <a:srgbClr val="660033"/>
+              </a:solidFill>
             </a:endParaRPr>
           </a:p>
-          <a:p>
-            <a:pPr algn="ctr">
-              <a:buNone/>
-            </a:pPr>
-            <a:r>
-              <a:rPr lang="zh-TW" altLang="en-US" sz="5400" b="1" dirty="0">
-                <a:latin typeface="Microsoft JhengHei" panose="020B0604030504040204" pitchFamily="34" charset="-120"/>
-                <a:ea typeface="Microsoft JhengHei" panose="020B0604030504040204" pitchFamily="34" charset="-120"/>
-              </a:rPr>
-              <a:t>常談主慈愛並頌主恩</a:t>
-            </a:r>
-          </a:p>
-          <a:p>
-            <a:pPr algn="ctr">
-              <a:buNone/>
-            </a:pPr>
-            <a:r>
-              <a:rPr lang="zh-TW" altLang="en-US" sz="5400" b="1" dirty="0">
-                <a:latin typeface="Microsoft JhengHei" panose="020B0604030504040204" pitchFamily="34" charset="-120"/>
-                <a:ea typeface="Microsoft JhengHei" panose="020B0604030504040204" pitchFamily="34" charset="-120"/>
-              </a:rPr>
-              <a:t>讚美我救主 晝夜不分</a:t>
-            </a:r>
-          </a:p>
         </p:txBody>
       </p:sp>
     </p:spTree>
+    <p:extLst>
+      <p:ext uri="{BB962C8B-B14F-4D97-AF65-F5344CB8AC3E}">
+        <p14:creationId xmlns:p14="http://schemas.microsoft.com/office/powerpoint/2010/main" val="3517217550"/>
+      </p:ext>
+    </p:extLst>
   </p:cSld>
   <p:clrMapOvr>
     <a:masterClrMapping/>
   </p:clrMapOvr>
+  <p:timing>
+    <p:tnLst>
+      <p:par>
+        <p:cTn id="1" dur="indefinite" restart="never" nodeType="tmRoot"/>
+      </p:par>
+    </p:tnLst>
+  </p:timing>
 </p:sld>
 </file>
 
@@ -3409,29 +3912,58 @@
       </p:grpSpPr>
       <p:sp>
         <p:nvSpPr>
-          <p:cNvPr id="4" name="標題 3"/>
-          <p:cNvSpPr>
-            <a:spLocks noGrp="1"/>
-          </p:cNvSpPr>
-          <p:nvPr>
-            <p:ph type="title"/>
-          </p:nvPr>
-        </p:nvSpPr>
-        <p:spPr/>
-        <p:txBody>
-          <a:bodyPr>
+          <p:cNvPr id="5" name="內容版面配置區 4"/>
+          <p:cNvSpPr>
+            <a:spLocks noGrp="1"/>
+          </p:cNvSpPr>
+          <p:nvPr>
+            <p:ph idx="1"/>
+          </p:nvPr>
+        </p:nvSpPr>
+        <p:spPr>
+          <a:xfrm>
+            <a:off x="0" y="2084853"/>
+            <a:ext cx="12192000" cy="2404863"/>
+          </a:xfrm>
+        </p:spPr>
+        <p:txBody>
+          <a:bodyPr anchor="ctr">
             <a:normAutofit/>
           </a:bodyPr>
           <a:lstStyle/>
           <a:p>
-            <a:r>
-              <a:rPr lang="zh-TW" altLang="en-US" sz="4800" b="1" dirty="0">
+            <a:pPr algn="ctr">
+              <a:buNone/>
+            </a:pPr>
+            <a:r>
+              <a:rPr lang="zh-TW" altLang="en-US" sz="6400" b="1" dirty="0">
+                <a:solidFill>
+                  <a:srgbClr val="660033"/>
+                </a:solidFill>
                 <a:latin typeface="Microsoft JhengHei" panose="020B0604030504040204" pitchFamily="34" charset="-120"/>
                 <a:ea typeface="Microsoft JhengHei" panose="020B0604030504040204" pitchFamily="34" charset="-120"/>
               </a:rPr>
-              <a:t>有福的確據</a:t>
-            </a:r>
-            <a:endParaRPr lang="zh-TW" altLang="en-US" sz="4800" b="1" dirty="0">
+              <a:t>被救主贖回  為神後嗣</a:t>
+            </a:r>
+          </a:p>
+          <a:p>
+            <a:pPr algn="ctr">
+              <a:buNone/>
+            </a:pPr>
+            <a:r>
+              <a:rPr lang="zh-TW" altLang="en-US" sz="6400" b="1" dirty="0">
+                <a:solidFill>
+                  <a:srgbClr val="660033"/>
+                </a:solidFill>
+                <a:latin typeface="Microsoft JhengHei" panose="020B0604030504040204" pitchFamily="34" charset="-120"/>
+                <a:ea typeface="Microsoft JhengHei" panose="020B0604030504040204" pitchFamily="34" charset="-120"/>
+              </a:rPr>
+              <a:t>罪全得洗淨  聖靈再生</a:t>
+            </a:r>
+            <a:endParaRPr lang="zh-TW" altLang="en-US" sz="6400" b="1" dirty="0">
+              <a:solidFill>
+                <a:srgbClr val="660033"/>
+              </a:solidFill>
               <a:latin typeface="Microsoft JhengHei" panose="020B0604030504040204" pitchFamily="34" charset="-120"/>
               <a:ea typeface="Microsoft JhengHei" panose="020B0604030504040204" pitchFamily="34" charset="-120"/>
             </a:endParaRPr>
@@ -3440,84 +3972,14 @@
       </p:sp>
       <p:sp>
         <p:nvSpPr>
-          <p:cNvPr id="5" name="內容版面配置區 4"/>
-          <p:cNvSpPr>
-            <a:spLocks noGrp="1"/>
-          </p:cNvSpPr>
-          <p:nvPr>
-            <p:ph idx="1"/>
-          </p:nvPr>
-        </p:nvSpPr>
-        <p:spPr/>
-        <p:txBody>
-          <a:bodyPr>
-            <a:normAutofit/>
-          </a:bodyPr>
-          <a:lstStyle/>
-          <a:p>
-            <a:pPr lvl="0" algn="ctr">
-              <a:buNone/>
-            </a:pPr>
-            <a:r>
-              <a:rPr lang="zh-TW" altLang="en-US" sz="5400" b="1" dirty="0">
-                <a:latin typeface="Microsoft JhengHei" panose="020B0604030504040204" pitchFamily="34" charset="-120"/>
-                <a:ea typeface="Microsoft JhengHei" panose="020B0604030504040204" pitchFamily="34" charset="-120"/>
-              </a:rPr>
-              <a:t>完全順服主 滿心歡喜</a:t>
-            </a:r>
-          </a:p>
-          <a:p>
-            <a:pPr algn="ctr">
-              <a:buNone/>
-            </a:pPr>
-            <a:r>
-              <a:rPr lang="zh-TW" altLang="en-US" sz="5400" b="1" dirty="0">
-                <a:latin typeface="Microsoft JhengHei" panose="020B0604030504040204" pitchFamily="34" charset="-120"/>
-                <a:ea typeface="Microsoft JhengHei" panose="020B0604030504040204" pitchFamily="34" charset="-120"/>
-              </a:rPr>
-              <a:t>天堂的榮耀 顯在心裡</a:t>
-            </a:r>
-            <a:endParaRPr lang="en-US" altLang="zh-TW" sz="5400" b="1" dirty="0">
-              <a:latin typeface="Microsoft JhengHei" panose="020B0604030504040204" pitchFamily="34" charset="-120"/>
-              <a:ea typeface="Microsoft JhengHei" panose="020B0604030504040204" pitchFamily="34" charset="-120"/>
-            </a:endParaRPr>
-          </a:p>
-          <a:p>
-            <a:pPr algn="ctr">
-              <a:buNone/>
-            </a:pPr>
-            <a:r>
-              <a:rPr lang="zh-TW" altLang="en-US" sz="5400" b="1" dirty="0">
-                <a:latin typeface="Microsoft JhengHei" panose="020B0604030504040204" pitchFamily="34" charset="-120"/>
-                <a:ea typeface="Microsoft JhengHei" panose="020B0604030504040204" pitchFamily="34" charset="-120"/>
-              </a:rPr>
-              <a:t>彷彿有天使 由天降臨</a:t>
-            </a:r>
-          </a:p>
-          <a:p>
-            <a:pPr algn="ctr">
-              <a:buNone/>
-            </a:pPr>
-            <a:r>
-              <a:rPr lang="zh-TW" altLang="en-US" sz="5400" b="1" dirty="0">
-                <a:latin typeface="Microsoft JhengHei" panose="020B0604030504040204" pitchFamily="34" charset="-120"/>
-                <a:ea typeface="Microsoft JhengHei" panose="020B0604030504040204" pitchFamily="34" charset="-120"/>
-              </a:rPr>
-              <a:t>報明主慈愛 並主愛憐</a:t>
-            </a:r>
-          </a:p>
-        </p:txBody>
-      </p:sp>
-      <p:sp>
-        <p:nvSpPr>
-          <p:cNvPr id="6" name="TextBox 5"/>
+          <p:cNvPr id="3" name="TextBox 2"/>
           <p:cNvSpPr txBox="1"/>
           <p:nvPr/>
         </p:nvSpPr>
         <p:spPr>
           <a:xfrm>
-            <a:off x="1127448" y="1625105"/>
-            <a:ext cx="1008112" cy="923330"/>
+            <a:off x="527381" y="2180862"/>
+            <a:ext cx="1248139" cy="1200329"/>
           </a:xfrm>
           <a:prstGeom prst="rect">
             <a:avLst/>
@@ -3531,22 +3993,38 @@
           <a:lstStyle/>
           <a:p>
             <a:r>
-              <a:rPr lang="en-US" sz="5400" b="1" dirty="0"/>
-              <a:t>2</a:t>
-            </a:r>
-            <a:r>
-              <a:rPr lang="en-US" sz="5400" b="1" dirty="0" smtClean="0"/>
-              <a:t>.</a:t>
-            </a:r>
-            <a:endParaRPr lang="vi-VN" sz="5400" b="1" dirty="0"/>
+              <a:rPr lang="en-US" sz="7200" b="1" dirty="0">
+                <a:solidFill>
+                  <a:srgbClr val="660033"/>
+                </a:solidFill>
+              </a:rPr>
+              <a:t>1.</a:t>
+            </a:r>
+            <a:endParaRPr lang="vi-VN" sz="7200" b="1" dirty="0">
+              <a:solidFill>
+                <a:srgbClr val="660033"/>
+              </a:solidFill>
+            </a:endParaRPr>
           </a:p>
         </p:txBody>
       </p:sp>
     </p:spTree>
+    <p:extLst>
+      <p:ext uri="{BB962C8B-B14F-4D97-AF65-F5344CB8AC3E}">
+        <p14:creationId xmlns:p14="http://schemas.microsoft.com/office/powerpoint/2010/main" val="462218404"/>
+      </p:ext>
+    </p:extLst>
   </p:cSld>
   <p:clrMapOvr>
     <a:masterClrMapping/>
   </p:clrMapOvr>
+  <p:timing>
+    <p:tnLst>
+      <p:par>
+        <p:cTn id="1" dur="indefinite" restart="never" nodeType="tmRoot"/>
+      </p:par>
+    </p:tnLst>
+  </p:timing>
 </p:sld>
 </file>
 
@@ -3569,110 +4047,81 @@
       </p:grpSpPr>
       <p:sp>
         <p:nvSpPr>
-          <p:cNvPr id="4" name="標題 3"/>
-          <p:cNvSpPr>
-            <a:spLocks noGrp="1"/>
-          </p:cNvSpPr>
-          <p:nvPr>
-            <p:ph type="title"/>
-          </p:nvPr>
-        </p:nvSpPr>
-        <p:spPr/>
-        <p:txBody>
-          <a:bodyPr>
+          <p:cNvPr id="5" name="內容版面配置區 4"/>
+          <p:cNvSpPr>
+            <a:spLocks noGrp="1"/>
+          </p:cNvSpPr>
+          <p:nvPr>
+            <p:ph idx="1"/>
+          </p:nvPr>
+        </p:nvSpPr>
+        <p:spPr>
+          <a:xfrm>
+            <a:off x="0" y="2084853"/>
+            <a:ext cx="12192000" cy="2404863"/>
+          </a:xfrm>
+        </p:spPr>
+        <p:txBody>
+          <a:bodyPr anchor="ctr">
             <a:normAutofit/>
           </a:bodyPr>
           <a:lstStyle/>
           <a:p>
-            <a:r>
-              <a:rPr lang="zh-TW" altLang="en-US" sz="4800" b="1" dirty="0">
+            <a:pPr algn="ctr">
+              <a:buNone/>
+            </a:pPr>
+            <a:r>
+              <a:rPr lang="zh-TW" altLang="en-US" sz="6400" b="1" dirty="0">
+                <a:solidFill>
+                  <a:srgbClr val="660033"/>
+                </a:solidFill>
                 <a:latin typeface="Microsoft JhengHei" panose="020B0604030504040204" pitchFamily="34" charset="-120"/>
                 <a:ea typeface="Microsoft JhengHei" panose="020B0604030504040204" pitchFamily="34" charset="-120"/>
               </a:rPr>
-              <a:t>有福的確據</a:t>
-            </a:r>
-            <a:endParaRPr lang="zh-TW" altLang="en-US" sz="4800" b="1" dirty="0">
-              <a:latin typeface="Microsoft JhengHei" panose="020B0604030504040204" pitchFamily="34" charset="-120"/>
-              <a:ea typeface="Microsoft JhengHei" panose="020B0604030504040204" pitchFamily="34" charset="-120"/>
-            </a:endParaRPr>
-          </a:p>
-        </p:txBody>
-      </p:sp>
-      <p:sp>
-        <p:nvSpPr>
-          <p:cNvPr id="5" name="內容版面配置區 4"/>
-          <p:cNvSpPr>
-            <a:spLocks noGrp="1"/>
-          </p:cNvSpPr>
-          <p:nvPr>
-            <p:ph idx="1"/>
-          </p:nvPr>
-        </p:nvSpPr>
-        <p:spPr/>
-        <p:txBody>
-          <a:bodyPr>
-            <a:normAutofit/>
-          </a:bodyPr>
-          <a:lstStyle/>
+              <a:t>這是我信息  或講或唱</a:t>
+            </a:r>
+          </a:p>
           <a:p>
             <a:pPr algn="ctr">
               <a:buNone/>
             </a:pPr>
             <a:r>
-              <a:rPr lang="zh-TW" altLang="en-US" sz="5400" b="1" dirty="0">
-                <a:latin typeface="Microsoft JhengHei" panose="020B0604030504040204" pitchFamily="34" charset="-120"/>
-                <a:ea typeface="Microsoft JhengHei" panose="020B0604030504040204" pitchFamily="34" charset="-120"/>
-              </a:rPr>
-              <a:t>這是我信息 或講或唱</a:t>
-            </a:r>
-          </a:p>
-          <a:p>
-            <a:pPr algn="ctr">
-              <a:buNone/>
-            </a:pPr>
-            <a:r>
-              <a:rPr lang="zh-TW" altLang="en-US" sz="5400" b="1" dirty="0">
+              <a:rPr lang="zh-TW" altLang="en-US" sz="6400" b="1" dirty="0">
+                <a:solidFill>
+                  <a:srgbClr val="660033"/>
+                </a:solidFill>
                 <a:latin typeface="Microsoft JhengHei" panose="020B0604030504040204" pitchFamily="34" charset="-120"/>
                 <a:ea typeface="Microsoft JhengHei" panose="020B0604030504040204" pitchFamily="34" charset="-120"/>
               </a:rPr>
               <a:t>讚美我救主心裡快暢</a:t>
             </a:r>
-            <a:endParaRPr lang="en-US" altLang="zh-TW" sz="5400" b="1" dirty="0">
+            <a:endParaRPr lang="en-US" altLang="zh-TW" sz="6400" b="1" dirty="0">
+              <a:solidFill>
+                <a:srgbClr val="660033"/>
+              </a:solidFill>
               <a:latin typeface="Microsoft JhengHei" panose="020B0604030504040204" pitchFamily="34" charset="-120"/>
               <a:ea typeface="Microsoft JhengHei" panose="020B0604030504040204" pitchFamily="34" charset="-120"/>
             </a:endParaRPr>
           </a:p>
-          <a:p>
-            <a:pPr algn="ctr">
-              <a:buNone/>
-            </a:pPr>
-            <a:r>
-              <a:rPr lang="zh-TW" altLang="en-US" sz="5400" b="1" dirty="0">
-                <a:latin typeface="Microsoft JhengHei" panose="020B0604030504040204" pitchFamily="34" charset="-120"/>
-                <a:ea typeface="Microsoft JhengHei" panose="020B0604030504040204" pitchFamily="34" charset="-120"/>
-              </a:rPr>
-              <a:t>常談主慈愛並頌主恩</a:t>
-            </a:r>
-          </a:p>
-          <a:p>
-            <a:pPr algn="ctr">
-              <a:buNone/>
-            </a:pPr>
-            <a:r>
-              <a:rPr lang="zh-TW" altLang="en-US" sz="5400" b="1" dirty="0">
-                <a:latin typeface="Microsoft JhengHei" panose="020B0604030504040204" pitchFamily="34" charset="-120"/>
-                <a:ea typeface="Microsoft JhengHei" panose="020B0604030504040204" pitchFamily="34" charset="-120"/>
-              </a:rPr>
-              <a:t>讚美我救主 晝夜不分</a:t>
-            </a:r>
-          </a:p>
         </p:txBody>
       </p:sp>
     </p:spTree>
+    <p:extLst>
+      <p:ext uri="{BB962C8B-B14F-4D97-AF65-F5344CB8AC3E}">
+        <p14:creationId xmlns:p14="http://schemas.microsoft.com/office/powerpoint/2010/main" val="3333775489"/>
+      </p:ext>
+    </p:extLst>
   </p:cSld>
   <p:clrMapOvr>
     <a:masterClrMapping/>
   </p:clrMapOvr>
+  <p:timing>
+    <p:tnLst>
+      <p:par>
+        <p:cTn id="1" dur="indefinite" restart="never" nodeType="tmRoot"/>
+      </p:par>
+    </p:tnLst>
+  </p:timing>
 </p:sld>
 </file>
 
@@ -3695,144 +4144,81 @@
       </p:grpSpPr>
       <p:sp>
         <p:nvSpPr>
-          <p:cNvPr id="4" name="標題 3"/>
-          <p:cNvSpPr>
-            <a:spLocks noGrp="1"/>
-          </p:cNvSpPr>
-          <p:nvPr>
-            <p:ph type="title"/>
-          </p:nvPr>
-        </p:nvSpPr>
-        <p:spPr/>
-        <p:txBody>
-          <a:bodyPr>
+          <p:cNvPr id="5" name="內容版面配置區 4"/>
+          <p:cNvSpPr>
+            <a:spLocks noGrp="1"/>
+          </p:cNvSpPr>
+          <p:nvPr>
+            <p:ph idx="1"/>
+          </p:nvPr>
+        </p:nvSpPr>
+        <p:spPr>
+          <a:xfrm>
+            <a:off x="0" y="2084853"/>
+            <a:ext cx="12192000" cy="2404863"/>
+          </a:xfrm>
+        </p:spPr>
+        <p:txBody>
+          <a:bodyPr anchor="ctr">
             <a:normAutofit/>
           </a:bodyPr>
           <a:lstStyle/>
           <a:p>
-            <a:r>
-              <a:rPr lang="zh-TW" altLang="en-US" sz="4800" b="1" dirty="0">
+            <a:pPr algn="ctr">
+              <a:buNone/>
+            </a:pPr>
+            <a:r>
+              <a:rPr lang="zh-TW" altLang="en-US" sz="6400" b="1" dirty="0">
+                <a:solidFill>
+                  <a:srgbClr val="660033"/>
+                </a:solidFill>
                 <a:latin typeface="Microsoft JhengHei" panose="020B0604030504040204" pitchFamily="34" charset="-120"/>
                 <a:ea typeface="Microsoft JhengHei" panose="020B0604030504040204" pitchFamily="34" charset="-120"/>
               </a:rPr>
-              <a:t>有福的確據</a:t>
-            </a:r>
-            <a:endParaRPr lang="zh-TW" altLang="en-US" sz="4800" b="1" dirty="0">
+              <a:t>常談主慈愛並頌主恩</a:t>
+            </a:r>
+          </a:p>
+          <a:p>
+            <a:pPr algn="ctr">
+              <a:buNone/>
+            </a:pPr>
+            <a:r>
+              <a:rPr lang="zh-TW" altLang="en-US" sz="6400" b="1" dirty="0">
+                <a:solidFill>
+                  <a:srgbClr val="660033"/>
+                </a:solidFill>
+                <a:latin typeface="Microsoft JhengHei" panose="020B0604030504040204" pitchFamily="34" charset="-120"/>
+                <a:ea typeface="Microsoft JhengHei" panose="020B0604030504040204" pitchFamily="34" charset="-120"/>
+              </a:rPr>
+              <a:t>讚美我救主  晝夜不分</a:t>
+            </a:r>
+            <a:endParaRPr lang="zh-TW" altLang="en-US" sz="6400" b="1" dirty="0">
+              <a:solidFill>
+                <a:srgbClr val="660033"/>
+              </a:solidFill>
               <a:latin typeface="Microsoft JhengHei" panose="020B0604030504040204" pitchFamily="34" charset="-120"/>
               <a:ea typeface="Microsoft JhengHei" panose="020B0604030504040204" pitchFamily="34" charset="-120"/>
             </a:endParaRPr>
           </a:p>
         </p:txBody>
       </p:sp>
-      <p:sp>
-        <p:nvSpPr>
-          <p:cNvPr id="5" name="內容版面配置區 4"/>
-          <p:cNvSpPr>
-            <a:spLocks noGrp="1"/>
-          </p:cNvSpPr>
-          <p:nvPr>
-            <p:ph idx="1"/>
-          </p:nvPr>
-        </p:nvSpPr>
-        <p:spPr/>
-        <p:txBody>
-          <a:bodyPr>
-            <a:normAutofit/>
-          </a:bodyPr>
-          <a:lstStyle/>
-          <a:p>
-            <a:pPr lvl="0" algn="ctr">
-              <a:buNone/>
-            </a:pPr>
-            <a:r>
-              <a:rPr lang="zh-TW" altLang="en-US" sz="5400" b="1" dirty="0">
-                <a:latin typeface="Microsoft JhengHei" panose="020B0604030504040204" pitchFamily="34" charset="-120"/>
-                <a:ea typeface="Microsoft JhengHei" panose="020B0604030504040204" pitchFamily="34" charset="-120"/>
-              </a:rPr>
-              <a:t>完全獻與主 萬事安寧</a:t>
-            </a:r>
-          </a:p>
-          <a:p>
-            <a:pPr algn="ctr">
-              <a:buNone/>
-            </a:pPr>
-            <a:r>
-              <a:rPr lang="zh-TW" altLang="en-US" sz="5400" b="1" dirty="0">
-                <a:latin typeface="Microsoft JhengHei" panose="020B0604030504040204" pitchFamily="34" charset="-120"/>
-                <a:ea typeface="Microsoft JhengHei" panose="020B0604030504040204" pitchFamily="34" charset="-120"/>
-              </a:rPr>
-              <a:t>榮耀的聖靈 充滿我心</a:t>
-            </a:r>
-            <a:endParaRPr lang="en-US" altLang="zh-TW" sz="5400" b="1" dirty="0">
-              <a:latin typeface="Microsoft JhengHei" panose="020B0604030504040204" pitchFamily="34" charset="-120"/>
-              <a:ea typeface="Microsoft JhengHei" panose="020B0604030504040204" pitchFamily="34" charset="-120"/>
-            </a:endParaRPr>
-          </a:p>
-          <a:p>
-            <a:pPr algn="ctr">
-              <a:buNone/>
-            </a:pPr>
-            <a:r>
-              <a:rPr lang="zh-TW" altLang="en-US" sz="5400" b="1" dirty="0">
-                <a:latin typeface="Microsoft JhengHei" panose="020B0604030504040204" pitchFamily="34" charset="-120"/>
-                <a:ea typeface="Microsoft JhengHei" panose="020B0604030504040204" pitchFamily="34" charset="-120"/>
-              </a:rPr>
-              <a:t>時刻仰望主 儆醒等候</a:t>
-            </a:r>
-          </a:p>
-          <a:p>
-            <a:pPr algn="ctr">
-              <a:buNone/>
-            </a:pPr>
-            <a:r>
-              <a:rPr lang="zh-TW" altLang="en-US" sz="5400" b="1" dirty="0">
-                <a:latin typeface="Microsoft JhengHei" panose="020B0604030504040204" pitchFamily="34" charset="-120"/>
-                <a:ea typeface="Microsoft JhengHei" panose="020B0604030504040204" pitchFamily="34" charset="-120"/>
-              </a:rPr>
-              <a:t>不住的祈禱 到主再臨</a:t>
-            </a:r>
-          </a:p>
-        </p:txBody>
-      </p:sp>
-      <p:sp>
-        <p:nvSpPr>
-          <p:cNvPr id="6" name="TextBox 5"/>
-          <p:cNvSpPr txBox="1"/>
-          <p:nvPr/>
-        </p:nvSpPr>
-        <p:spPr>
-          <a:xfrm>
-            <a:off x="1127448" y="1625105"/>
-            <a:ext cx="1008112" cy="923330"/>
-          </a:xfrm>
-          <a:prstGeom prst="rect">
-            <a:avLst/>
-          </a:prstGeom>
-          <a:noFill/>
-        </p:spPr>
-        <p:txBody>
-          <a:bodyPr wrap="square" rtlCol="0">
-            <a:spAutoFit/>
-          </a:bodyPr>
-          <a:lstStyle/>
-          <a:p>
-            <a:r>
-              <a:rPr lang="en-US" sz="5400" b="1" dirty="0"/>
-              <a:t>3</a:t>
-            </a:r>
-            <a:r>
-              <a:rPr lang="en-US" sz="5400" b="1" smtClean="0"/>
-              <a:t>.</a:t>
-            </a:r>
-            <a:endParaRPr lang="vi-VN" sz="5400" b="1" dirty="0"/>
-          </a:p>
-        </p:txBody>
-      </p:sp>
     </p:spTree>
+    <p:extLst>
+      <p:ext uri="{BB962C8B-B14F-4D97-AF65-F5344CB8AC3E}">
+        <p14:creationId xmlns:p14="http://schemas.microsoft.com/office/powerpoint/2010/main" val="2470353842"/>
+      </p:ext>
+    </p:extLst>
   </p:cSld>
   <p:clrMapOvr>
     <a:masterClrMapping/>
   </p:clrMapOvr>
+  <p:timing>
+    <p:tnLst>
+      <p:par>
+        <p:cTn id="1" dur="indefinite" restart="never" nodeType="tmRoot"/>
+      </p:par>
+    </p:tnLst>
+  </p:timing>
 </p:sld>
 </file>
 
@@ -3855,29 +4241,58 @@
       </p:grpSpPr>
       <p:sp>
         <p:nvSpPr>
-          <p:cNvPr id="4" name="標題 3"/>
-          <p:cNvSpPr>
-            <a:spLocks noGrp="1"/>
-          </p:cNvSpPr>
-          <p:nvPr>
-            <p:ph type="title"/>
-          </p:nvPr>
-        </p:nvSpPr>
-        <p:spPr/>
-        <p:txBody>
-          <a:bodyPr>
+          <p:cNvPr id="5" name="內容版面配置區 4"/>
+          <p:cNvSpPr>
+            <a:spLocks noGrp="1"/>
+          </p:cNvSpPr>
+          <p:nvPr>
+            <p:ph idx="1"/>
+          </p:nvPr>
+        </p:nvSpPr>
+        <p:spPr>
+          <a:xfrm>
+            <a:off x="0" y="2084853"/>
+            <a:ext cx="12192000" cy="2404863"/>
+          </a:xfrm>
+        </p:spPr>
+        <p:txBody>
+          <a:bodyPr anchor="ctr">
             <a:normAutofit/>
           </a:bodyPr>
           <a:lstStyle/>
           <a:p>
-            <a:r>
-              <a:rPr lang="zh-TW" altLang="en-US" sz="4800" b="1" dirty="0">
+            <a:pPr lvl="0" algn="ctr">
+              <a:buNone/>
+            </a:pPr>
+            <a:r>
+              <a:rPr lang="zh-TW" altLang="en-US" sz="6400" b="1" dirty="0">
+                <a:solidFill>
+                  <a:srgbClr val="660033"/>
+                </a:solidFill>
                 <a:latin typeface="Microsoft JhengHei" panose="020B0604030504040204" pitchFamily="34" charset="-120"/>
                 <a:ea typeface="Microsoft JhengHei" panose="020B0604030504040204" pitchFamily="34" charset="-120"/>
               </a:rPr>
-              <a:t>有福的確據</a:t>
-            </a:r>
-            <a:endParaRPr lang="zh-TW" altLang="en-US" sz="4800" b="1" dirty="0">
+              <a:t>完全順服主  滿心歡喜</a:t>
+            </a:r>
+          </a:p>
+          <a:p>
+            <a:pPr algn="ctr">
+              <a:buNone/>
+            </a:pPr>
+            <a:r>
+              <a:rPr lang="zh-TW" altLang="en-US" sz="6400" b="1" dirty="0">
+                <a:solidFill>
+                  <a:srgbClr val="660033"/>
+                </a:solidFill>
+                <a:latin typeface="Microsoft JhengHei" panose="020B0604030504040204" pitchFamily="34" charset="-120"/>
+                <a:ea typeface="Microsoft JhengHei" panose="020B0604030504040204" pitchFamily="34" charset="-120"/>
+              </a:rPr>
+              <a:t>天堂的榮耀  顯在心裡</a:t>
+            </a:r>
+            <a:endParaRPr lang="en-US" altLang="zh-TW" sz="6400" b="1" dirty="0">
+              <a:solidFill>
+                <a:srgbClr val="660033"/>
+              </a:solidFill>
               <a:latin typeface="Microsoft JhengHei" panose="020B0604030504040204" pitchFamily="34" charset="-120"/>
               <a:ea typeface="Microsoft JhengHei" panose="020B0604030504040204" pitchFamily="34" charset="-120"/>
             </a:endParaRPr>
@@ -3886,6 +4301,89 @@
       </p:sp>
       <p:sp>
         <p:nvSpPr>
+          <p:cNvPr id="3" name="TextBox 2"/>
+          <p:cNvSpPr txBox="1"/>
+          <p:nvPr/>
+        </p:nvSpPr>
+        <p:spPr>
+          <a:xfrm>
+            <a:off x="527381" y="2180862"/>
+            <a:ext cx="1248139" cy="1200329"/>
+          </a:xfrm>
+          <a:prstGeom prst="rect">
+            <a:avLst/>
+          </a:prstGeom>
+          <a:noFill/>
+        </p:spPr>
+        <p:txBody>
+          <a:bodyPr wrap="square" rtlCol="0">
+            <a:spAutoFit/>
+          </a:bodyPr>
+          <a:lstStyle/>
+          <a:p>
+            <a:r>
+              <a:rPr lang="en-US" sz="7200" b="1" dirty="0">
+                <a:solidFill>
+                  <a:srgbClr val="660033"/>
+                </a:solidFill>
+              </a:rPr>
+              <a:t>2</a:t>
+            </a:r>
+            <a:r>
+              <a:rPr lang="en-US" sz="7200" b="1" dirty="0">
+                <a:solidFill>
+                  <a:srgbClr val="660033"/>
+                </a:solidFill>
+              </a:rPr>
+              <a:t>.</a:t>
+            </a:r>
+            <a:endParaRPr lang="vi-VN" sz="7200" b="1" dirty="0">
+              <a:solidFill>
+                <a:srgbClr val="660033"/>
+              </a:solidFill>
+            </a:endParaRPr>
+          </a:p>
+        </p:txBody>
+      </p:sp>
+    </p:spTree>
+    <p:extLst>
+      <p:ext uri="{BB962C8B-B14F-4D97-AF65-F5344CB8AC3E}">
+        <p14:creationId xmlns:p14="http://schemas.microsoft.com/office/powerpoint/2010/main" val="3948831948"/>
+      </p:ext>
+    </p:extLst>
+  </p:cSld>
+  <p:clrMapOvr>
+    <a:masterClrMapping/>
+  </p:clrMapOvr>
+  <p:timing>
+    <p:tnLst>
+      <p:par>
+        <p:cTn id="1" dur="indefinite" restart="never" nodeType="tmRoot"/>
+      </p:par>
+    </p:tnLst>
+  </p:timing>
+</p:sld>
+</file>
+
+<file path=ppt/slides/slide7.xml><?xml version="1.0" encoding="utf-8"?>
+<p:sld xmlns:a="http://schemas.openxmlformats.org/drawingml/2006/main" xmlns:r="http://schemas.openxmlformats.org/officeDocument/2006/relationships" xmlns:p="http://schemas.openxmlformats.org/presentationml/2006/main">
+  <p:cSld>
+    <p:spTree>
+      <p:nvGrpSpPr>
+        <p:cNvPr id="1" name=""/>
+        <p:cNvGrpSpPr/>
+        <p:nvPr/>
+      </p:nvGrpSpPr>
+      <p:grpSpPr>
+        <a:xfrm>
+          <a:off x="0" y="0"/>
+          <a:ext cx="0" cy="0"/>
+          <a:chOff x="0" y="0"/>
+          <a:chExt cx="0" cy="0"/>
+        </a:xfrm>
+      </p:grpSpPr>
+      <p:sp>
+        <p:nvSpPr>
           <p:cNvPr id="5" name="內容版面配置區 4"/>
           <p:cNvSpPr>
             <a:spLocks noGrp="1"/>
@@ -3894,9 +4392,14 @@
             <p:ph idx="1"/>
           </p:nvPr>
         </p:nvSpPr>
-        <p:spPr/>
-        <p:txBody>
-          <a:bodyPr>
+        <p:spPr>
+          <a:xfrm>
+            <a:off x="0" y="2084853"/>
+            <a:ext cx="12192000" cy="2404863"/>
+          </a:xfrm>
+        </p:spPr>
+        <p:txBody>
+          <a:bodyPr anchor="ctr">
             <a:normAutofit/>
           </a:bodyPr>
           <a:lstStyle/>
@@ -3905,11 +4408,14 @@
               <a:buNone/>
             </a:pPr>
             <a:r>
-              <a:rPr lang="zh-TW" altLang="en-US" sz="5400" b="1" dirty="0">
+              <a:rPr lang="zh-TW" altLang="en-US" sz="6400" b="1" dirty="0">
+                <a:solidFill>
+                  <a:srgbClr val="660033"/>
+                </a:solidFill>
                 <a:latin typeface="Microsoft JhengHei" panose="020B0604030504040204" pitchFamily="34" charset="-120"/>
                 <a:ea typeface="Microsoft JhengHei" panose="020B0604030504040204" pitchFamily="34" charset="-120"/>
               </a:rPr>
-              <a:t>這是我信息 或講或唱</a:t>
+              <a:t>彷彿有天使  由天降臨</a:t>
             </a:r>
           </a:p>
           <a:p>
@@ -3917,23 +4423,235 @@
               <a:buNone/>
             </a:pPr>
             <a:r>
-              <a:rPr lang="zh-TW" altLang="en-US" sz="5400" b="1" dirty="0">
+              <a:rPr lang="zh-TW" altLang="en-US" sz="6400" b="1" dirty="0">
+                <a:solidFill>
+                  <a:srgbClr val="660033"/>
+                </a:solidFill>
+                <a:latin typeface="Microsoft JhengHei" panose="020B0604030504040204" pitchFamily="34" charset="-120"/>
+                <a:ea typeface="Microsoft JhengHei" panose="020B0604030504040204" pitchFamily="34" charset="-120"/>
+              </a:rPr>
+              <a:t>報明主慈愛  並主愛憐</a:t>
+            </a:r>
+            <a:endParaRPr lang="zh-TW" altLang="en-US" sz="6400" b="1" dirty="0">
+              <a:solidFill>
+                <a:srgbClr val="660033"/>
+              </a:solidFill>
+              <a:latin typeface="Microsoft JhengHei" panose="020B0604030504040204" pitchFamily="34" charset="-120"/>
+              <a:ea typeface="Microsoft JhengHei" panose="020B0604030504040204" pitchFamily="34" charset="-120"/>
+            </a:endParaRPr>
+          </a:p>
+        </p:txBody>
+      </p:sp>
+      <p:sp>
+        <p:nvSpPr>
+          <p:cNvPr id="3" name="TextBox 2"/>
+          <p:cNvSpPr txBox="1"/>
+          <p:nvPr/>
+        </p:nvSpPr>
+        <p:spPr>
+          <a:xfrm>
+            <a:off x="527381" y="2180862"/>
+            <a:ext cx="1248139" cy="1200329"/>
+          </a:xfrm>
+          <a:prstGeom prst="rect">
+            <a:avLst/>
+          </a:prstGeom>
+          <a:noFill/>
+        </p:spPr>
+        <p:txBody>
+          <a:bodyPr wrap="square" rtlCol="0">
+            <a:spAutoFit/>
+          </a:bodyPr>
+          <a:lstStyle/>
+          <a:p>
+            <a:r>
+              <a:rPr lang="en-US" sz="7200" b="1" dirty="0">
+                <a:solidFill>
+                  <a:srgbClr val="660033"/>
+                </a:solidFill>
+              </a:rPr>
+              <a:t>2</a:t>
+            </a:r>
+            <a:r>
+              <a:rPr lang="en-US" sz="7200" b="1" dirty="0">
+                <a:solidFill>
+                  <a:srgbClr val="660033"/>
+                </a:solidFill>
+              </a:rPr>
+              <a:t>.</a:t>
+            </a:r>
+            <a:endParaRPr lang="vi-VN" sz="7200" b="1" dirty="0">
+              <a:solidFill>
+                <a:srgbClr val="660033"/>
+              </a:solidFill>
+            </a:endParaRPr>
+          </a:p>
+        </p:txBody>
+      </p:sp>
+    </p:spTree>
+    <p:extLst>
+      <p:ext uri="{BB962C8B-B14F-4D97-AF65-F5344CB8AC3E}">
+        <p14:creationId xmlns:p14="http://schemas.microsoft.com/office/powerpoint/2010/main" val="1819602175"/>
+      </p:ext>
+    </p:extLst>
+  </p:cSld>
+  <p:clrMapOvr>
+    <a:masterClrMapping/>
+  </p:clrMapOvr>
+  <p:timing>
+    <p:tnLst>
+      <p:par>
+        <p:cTn id="1" dur="indefinite" restart="never" nodeType="tmRoot"/>
+      </p:par>
+    </p:tnLst>
+  </p:timing>
+</p:sld>
+</file>
+
+<file path=ppt/slides/slide8.xml><?xml version="1.0" encoding="utf-8"?>
+<p:sld xmlns:a="http://schemas.openxmlformats.org/drawingml/2006/main" xmlns:r="http://schemas.openxmlformats.org/officeDocument/2006/relationships" xmlns:p="http://schemas.openxmlformats.org/presentationml/2006/main">
+  <p:cSld>
+    <p:spTree>
+      <p:nvGrpSpPr>
+        <p:cNvPr id="1" name=""/>
+        <p:cNvGrpSpPr/>
+        <p:nvPr/>
+      </p:nvGrpSpPr>
+      <p:grpSpPr>
+        <a:xfrm>
+          <a:off x="0" y="0"/>
+          <a:ext cx="0" cy="0"/>
+          <a:chOff x="0" y="0"/>
+          <a:chExt cx="0" cy="0"/>
+        </a:xfrm>
+      </p:grpSpPr>
+      <p:sp>
+        <p:nvSpPr>
+          <p:cNvPr id="5" name="內容版面配置區 4"/>
+          <p:cNvSpPr>
+            <a:spLocks noGrp="1"/>
+          </p:cNvSpPr>
+          <p:nvPr>
+            <p:ph idx="1"/>
+          </p:nvPr>
+        </p:nvSpPr>
+        <p:spPr>
+          <a:xfrm>
+            <a:off x="0" y="2084853"/>
+            <a:ext cx="12192000" cy="2404863"/>
+          </a:xfrm>
+        </p:spPr>
+        <p:txBody>
+          <a:bodyPr anchor="ctr">
+            <a:normAutofit/>
+          </a:bodyPr>
+          <a:lstStyle/>
+          <a:p>
+            <a:pPr algn="ctr">
+              <a:buNone/>
+            </a:pPr>
+            <a:r>
+              <a:rPr lang="zh-TW" altLang="en-US" sz="6400" b="1" dirty="0">
+                <a:solidFill>
+                  <a:srgbClr val="660033"/>
+                </a:solidFill>
+                <a:latin typeface="Microsoft JhengHei" panose="020B0604030504040204" pitchFamily="34" charset="-120"/>
+                <a:ea typeface="Microsoft JhengHei" panose="020B0604030504040204" pitchFamily="34" charset="-120"/>
+              </a:rPr>
+              <a:t>這是我信息  或講或唱</a:t>
+            </a:r>
+          </a:p>
+          <a:p>
+            <a:pPr algn="ctr">
+              <a:buNone/>
+            </a:pPr>
+            <a:r>
+              <a:rPr lang="zh-TW" altLang="en-US" sz="6400" b="1" dirty="0">
+                <a:solidFill>
+                  <a:srgbClr val="660033"/>
+                </a:solidFill>
                 <a:latin typeface="Microsoft JhengHei" panose="020B0604030504040204" pitchFamily="34" charset="-120"/>
                 <a:ea typeface="Microsoft JhengHei" panose="020B0604030504040204" pitchFamily="34" charset="-120"/>
               </a:rPr>
               <a:t>讚美我救主心裡快暢</a:t>
             </a:r>
-            <a:endParaRPr lang="en-US" altLang="zh-TW" sz="5400" b="1" dirty="0">
+            <a:endParaRPr lang="en-US" altLang="zh-TW" sz="6400" b="1" dirty="0">
+              <a:solidFill>
+                <a:srgbClr val="660033"/>
+              </a:solidFill>
               <a:latin typeface="Microsoft JhengHei" panose="020B0604030504040204" pitchFamily="34" charset="-120"/>
               <a:ea typeface="Microsoft JhengHei" panose="020B0604030504040204" pitchFamily="34" charset="-120"/>
             </a:endParaRPr>
           </a:p>
+        </p:txBody>
+      </p:sp>
+    </p:spTree>
+    <p:extLst>
+      <p:ext uri="{BB962C8B-B14F-4D97-AF65-F5344CB8AC3E}">
+        <p14:creationId xmlns:p14="http://schemas.microsoft.com/office/powerpoint/2010/main" val="3881898207"/>
+      </p:ext>
+    </p:extLst>
+  </p:cSld>
+  <p:clrMapOvr>
+    <a:masterClrMapping/>
+  </p:clrMapOvr>
+  <p:timing>
+    <p:tnLst>
+      <p:par>
+        <p:cTn id="1" dur="indefinite" restart="never" nodeType="tmRoot"/>
+      </p:par>
+    </p:tnLst>
+  </p:timing>
+</p:sld>
+</file>
+
+<file path=ppt/slides/slide9.xml><?xml version="1.0" encoding="utf-8"?>
+<p:sld xmlns:a="http://schemas.openxmlformats.org/drawingml/2006/main" xmlns:r="http://schemas.openxmlformats.org/officeDocument/2006/relationships" xmlns:p="http://schemas.openxmlformats.org/presentationml/2006/main">
+  <p:cSld>
+    <p:spTree>
+      <p:nvGrpSpPr>
+        <p:cNvPr id="1" name=""/>
+        <p:cNvGrpSpPr/>
+        <p:nvPr/>
+      </p:nvGrpSpPr>
+      <p:grpSpPr>
+        <a:xfrm>
+          <a:off x="0" y="0"/>
+          <a:ext cx="0" cy="0"/>
+          <a:chOff x="0" y="0"/>
+          <a:chExt cx="0" cy="0"/>
+        </a:xfrm>
+      </p:grpSpPr>
+      <p:sp>
+        <p:nvSpPr>
+          <p:cNvPr id="5" name="內容版面配置區 4"/>
+          <p:cNvSpPr>
+            <a:spLocks noGrp="1"/>
+          </p:cNvSpPr>
+          <p:nvPr>
+            <p:ph idx="1"/>
+          </p:nvPr>
+        </p:nvSpPr>
+        <p:spPr>
+          <a:xfrm>
+            <a:off x="0" y="2084853"/>
+            <a:ext cx="12192000" cy="2404863"/>
+          </a:xfrm>
+        </p:spPr>
+        <p:txBody>
+          <a:bodyPr anchor="ctr">
+            <a:normAutofit/>
+          </a:bodyPr>
+          <a:lstStyle/>
           <a:p>
             <a:pPr algn="ctr">
               <a:buNone/>
             </a:pPr>
             <a:r>
-              <a:rPr lang="zh-TW" altLang="en-US" sz="5400" b="1" dirty="0">
+              <a:rPr lang="zh-TW" altLang="en-US" sz="6400" b="1" dirty="0">
+                <a:solidFill>
+                  <a:srgbClr val="660033"/>
+                </a:solidFill>
                 <a:latin typeface="Microsoft JhengHei" panose="020B0604030504040204" pitchFamily="34" charset="-120"/>
                 <a:ea typeface="Microsoft JhengHei" panose="020B0604030504040204" pitchFamily="34" charset="-120"/>
               </a:rPr>
@@ -3945,20 +4663,42 @@
               <a:buNone/>
             </a:pPr>
             <a:r>
-              <a:rPr lang="zh-TW" altLang="en-US" sz="5400" b="1" dirty="0">
+              <a:rPr lang="zh-TW" altLang="en-US" sz="6400" b="1" dirty="0">
+                <a:solidFill>
+                  <a:srgbClr val="660033"/>
+                </a:solidFill>
                 <a:latin typeface="Microsoft JhengHei" panose="020B0604030504040204" pitchFamily="34" charset="-120"/>
                 <a:ea typeface="Microsoft JhengHei" panose="020B0604030504040204" pitchFamily="34" charset="-120"/>
               </a:rPr>
-              <a:t>讚美我救主 晝夜不分</a:t>
-            </a:r>
+              <a:t>讚美我救主  晝夜不分</a:t>
+            </a:r>
+            <a:endParaRPr lang="zh-TW" altLang="en-US" sz="6400" b="1" dirty="0">
+              <a:solidFill>
+                <a:srgbClr val="660033"/>
+              </a:solidFill>
+              <a:latin typeface="Microsoft JhengHei" panose="020B0604030504040204" pitchFamily="34" charset="-120"/>
+              <a:ea typeface="Microsoft JhengHei" panose="020B0604030504040204" pitchFamily="34" charset="-120"/>
+            </a:endParaRPr>
           </a:p>
         </p:txBody>
       </p:sp>
     </p:spTree>
+    <p:extLst>
+      <p:ext uri="{BB962C8B-B14F-4D97-AF65-F5344CB8AC3E}">
+        <p14:creationId xmlns:p14="http://schemas.microsoft.com/office/powerpoint/2010/main" val="2452026773"/>
+      </p:ext>
+    </p:extLst>
   </p:cSld>
   <p:clrMapOvr>
     <a:masterClrMapping/>
   </p:clrMapOvr>
+  <p:timing>
+    <p:tnLst>
+      <p:par>
+        <p:cTn id="1" dur="indefinite" restart="never" nodeType="tmRoot"/>
+      </p:par>
+    </p:tnLst>
+  </p:timing>
 </p:sld>
 </file>
 

--- a/宣道詩/(宣道詩103)有福的確據.pptx
+++ b/宣道詩/(宣道詩103)有福的確據.pptx
@@ -316,7 +316,7 @@
           <a:p>
             <a:fld id="{0FAE10D4-71CF-4D34-82D9-09C2E9014CD6}" type="datetimeFigureOut">
               <a:rPr lang="zh-TW" altLang="en-US" smtClean="0"/>
-              <a:t>2020/11/20</a:t>
+              <a:t>2021/7/13</a:t>
             </a:fld>
             <a:endParaRPr lang="zh-TW" altLang="en-US"/>
           </a:p>
@@ -486,7 +486,7 @@
           <a:p>
             <a:fld id="{0FAE10D4-71CF-4D34-82D9-09C2E9014CD6}" type="datetimeFigureOut">
               <a:rPr lang="zh-TW" altLang="en-US" smtClean="0"/>
-              <a:t>2020/11/20</a:t>
+              <a:t>2021/7/13</a:t>
             </a:fld>
             <a:endParaRPr lang="zh-TW" altLang="en-US"/>
           </a:p>
@@ -666,7 +666,7 @@
           <a:p>
             <a:fld id="{0FAE10D4-71CF-4D34-82D9-09C2E9014CD6}" type="datetimeFigureOut">
               <a:rPr lang="zh-TW" altLang="en-US" smtClean="0"/>
-              <a:t>2020/11/20</a:t>
+              <a:t>2021/7/13</a:t>
             </a:fld>
             <a:endParaRPr lang="zh-TW" altLang="en-US"/>
           </a:p>
@@ -836,7 +836,7 @@
           <a:p>
             <a:fld id="{0FAE10D4-71CF-4D34-82D9-09C2E9014CD6}" type="datetimeFigureOut">
               <a:rPr lang="zh-TW" altLang="en-US" smtClean="0"/>
-              <a:t>2020/11/20</a:t>
+              <a:t>2021/7/13</a:t>
             </a:fld>
             <a:endParaRPr lang="zh-TW" altLang="en-US"/>
           </a:p>
@@ -1082,7 +1082,7 @@
           <a:p>
             <a:fld id="{0FAE10D4-71CF-4D34-82D9-09C2E9014CD6}" type="datetimeFigureOut">
               <a:rPr lang="zh-TW" altLang="en-US" smtClean="0"/>
-              <a:t>2020/11/20</a:t>
+              <a:t>2021/7/13</a:t>
             </a:fld>
             <a:endParaRPr lang="zh-TW" altLang="en-US"/>
           </a:p>
@@ -1370,7 +1370,7 @@
           <a:p>
             <a:fld id="{0FAE10D4-71CF-4D34-82D9-09C2E9014CD6}" type="datetimeFigureOut">
               <a:rPr lang="zh-TW" altLang="en-US" smtClean="0"/>
-              <a:t>2020/11/20</a:t>
+              <a:t>2021/7/13</a:t>
             </a:fld>
             <a:endParaRPr lang="zh-TW" altLang="en-US"/>
           </a:p>
@@ -1792,7 +1792,7 @@
           <a:p>
             <a:fld id="{0FAE10D4-71CF-4D34-82D9-09C2E9014CD6}" type="datetimeFigureOut">
               <a:rPr lang="zh-TW" altLang="en-US" smtClean="0"/>
-              <a:t>2020/11/20</a:t>
+              <a:t>2021/7/13</a:t>
             </a:fld>
             <a:endParaRPr lang="zh-TW" altLang="en-US"/>
           </a:p>
@@ -1910,7 +1910,7 @@
           <a:p>
             <a:fld id="{0FAE10D4-71CF-4D34-82D9-09C2E9014CD6}" type="datetimeFigureOut">
               <a:rPr lang="zh-TW" altLang="en-US" smtClean="0"/>
-              <a:t>2020/11/20</a:t>
+              <a:t>2021/7/13</a:t>
             </a:fld>
             <a:endParaRPr lang="zh-TW" altLang="en-US"/>
           </a:p>
@@ -2005,7 +2005,7 @@
           <a:p>
             <a:fld id="{0FAE10D4-71CF-4D34-82D9-09C2E9014CD6}" type="datetimeFigureOut">
               <a:rPr lang="zh-TW" altLang="en-US" smtClean="0"/>
-              <a:t>2020/11/20</a:t>
+              <a:t>2021/7/13</a:t>
             </a:fld>
             <a:endParaRPr lang="zh-TW" altLang="en-US"/>
           </a:p>
@@ -2282,7 +2282,7 @@
           <a:p>
             <a:fld id="{0FAE10D4-71CF-4D34-82D9-09C2E9014CD6}" type="datetimeFigureOut">
               <a:rPr lang="zh-TW" altLang="en-US" smtClean="0"/>
-              <a:t>2020/11/20</a:t>
+              <a:t>2021/7/13</a:t>
             </a:fld>
             <a:endParaRPr lang="zh-TW" altLang="en-US"/>
           </a:p>
@@ -2539,7 +2539,7 @@
           <a:p>
             <a:fld id="{0FAE10D4-71CF-4D34-82D9-09C2E9014CD6}" type="datetimeFigureOut">
               <a:rPr lang="zh-TW" altLang="en-US" smtClean="0"/>
-              <a:t>2020/11/20</a:t>
+              <a:t>2021/7/13</a:t>
             </a:fld>
             <a:endParaRPr lang="zh-TW" altLang="en-US"/>
           </a:p>
@@ -2757,7 +2757,7 @@
           <a:p>
             <a:fld id="{0FAE10D4-71CF-4D34-82D9-09C2E9014CD6}" type="datetimeFigureOut">
               <a:rPr lang="zh-TW" altLang="en-US" smtClean="0"/>
-              <a:t>2020/11/20</a:t>
+              <a:t>2021/7/13</a:t>
             </a:fld>
             <a:endParaRPr lang="zh-TW" altLang="en-US"/>
           </a:p>
@@ -3144,7 +3144,7 @@
         </p:nvSpPr>
         <p:spPr>
           <a:xfrm>
-            <a:off x="0" y="2857513"/>
+            <a:off x="0" y="2708920"/>
             <a:ext cx="12192000" cy="1143000"/>
           </a:xfrm>
         </p:spPr>
@@ -3236,24 +3236,7 @@
                 <a:latin typeface="微軟正黑體" pitchFamily="34" charset="-120"/>
                 <a:ea typeface="微軟正黑體" pitchFamily="34" charset="-120"/>
               </a:rPr>
-              <a:t>有</a:t>
-            </a:r>
-            <a:r>
-              <a:rPr lang="zh-TW" altLang="en-US" sz="8000" b="1" dirty="0">
-                <a:solidFill>
-                  <a:srgbClr val="660033"/>
-                </a:solidFill>
-                <a:effectLst>
-                  <a:outerShdw blurRad="38100" dist="38100" dir="2700000" algn="tl">
-                    <a:srgbClr val="000000">
-                      <a:alpha val="43137"/>
-                    </a:srgbClr>
-                  </a:outerShdw>
-                </a:effectLst>
-                <a:latin typeface="微軟正黑體" pitchFamily="34" charset="-120"/>
-                <a:ea typeface="微軟正黑體" pitchFamily="34" charset="-120"/>
-              </a:rPr>
-              <a:t>福的確據</a:t>
+              <a:t>有福的確據</a:t>
             </a:r>
           </a:p>
         </p:txBody>
@@ -3357,14 +3340,14 @@
       </p:sp>
       <p:sp>
         <p:nvSpPr>
-          <p:cNvPr id="3" name="TextBox 2"/>
+          <p:cNvPr id="4" name="TextBox 3"/>
           <p:cNvSpPr txBox="1"/>
           <p:nvPr/>
         </p:nvSpPr>
         <p:spPr>
           <a:xfrm>
-            <a:off x="527381" y="2180862"/>
-            <a:ext cx="1248139" cy="1200329"/>
+            <a:off x="0" y="5085184"/>
+            <a:ext cx="12192000" cy="830997"/>
           </a:xfrm>
           <a:prstGeom prst="rect">
             <a:avLst/>
@@ -3377,26 +3360,21 @@
           </a:bodyPr>
           <a:lstStyle/>
           <a:p>
-            <a:r>
-              <a:rPr lang="en-US" sz="7200" b="1" dirty="0">
+            <a:pPr algn="ctr"/>
+            <a:r>
+              <a:rPr lang="en-US" sz="4800" b="1" dirty="0" smtClean="0">
                 <a:solidFill>
                   <a:srgbClr val="660033"/>
                 </a:solidFill>
+                <a:effectLst/>
               </a:rPr>
-              <a:t>3</a:t>
-            </a:r>
-            <a:r>
-              <a:rPr lang="en-US" sz="7200" b="1" dirty="0">
-                <a:solidFill>
-                  <a:srgbClr val="660033"/>
-                </a:solidFill>
-              </a:rPr>
-              <a:t>.</a:t>
-            </a:r>
-            <a:endParaRPr lang="vi-VN" sz="7200" b="1" dirty="0">
+              <a:t>( 3 )</a:t>
+            </a:r>
+            <a:endParaRPr lang="vi-VN" sz="4800" b="1" dirty="0">
               <a:solidFill>
                 <a:srgbClr val="660033"/>
               </a:solidFill>
+              <a:effectLst/>
             </a:endParaRPr>
           </a:p>
         </p:txBody>
@@ -3488,26 +3466,19 @@
               </a:rPr>
               <a:t>不住的祈禱  到主再臨</a:t>
             </a:r>
-            <a:endParaRPr lang="zh-TW" altLang="en-US" sz="6400" b="1" dirty="0">
-              <a:solidFill>
-                <a:srgbClr val="660033"/>
-              </a:solidFill>
-              <a:latin typeface="Microsoft JhengHei" panose="020B0604030504040204" pitchFamily="34" charset="-120"/>
-              <a:ea typeface="Microsoft JhengHei" panose="020B0604030504040204" pitchFamily="34" charset="-120"/>
-            </a:endParaRPr>
-          </a:p>
-        </p:txBody>
-      </p:sp>
-      <p:sp>
-        <p:nvSpPr>
-          <p:cNvPr id="3" name="TextBox 2"/>
+          </a:p>
+        </p:txBody>
+      </p:sp>
+      <p:sp>
+        <p:nvSpPr>
+          <p:cNvPr id="4" name="TextBox 3"/>
           <p:cNvSpPr txBox="1"/>
           <p:nvPr/>
         </p:nvSpPr>
         <p:spPr>
           <a:xfrm>
-            <a:off x="527381" y="2180862"/>
-            <a:ext cx="1248139" cy="1200329"/>
+            <a:off x="0" y="5085184"/>
+            <a:ext cx="12192000" cy="830997"/>
           </a:xfrm>
           <a:prstGeom prst="rect">
             <a:avLst/>
@@ -3520,26 +3491,21 @@
           </a:bodyPr>
           <a:lstStyle/>
           <a:p>
-            <a:r>
-              <a:rPr lang="en-US" sz="7200" b="1" dirty="0">
+            <a:pPr algn="ctr"/>
+            <a:r>
+              <a:rPr lang="en-US" sz="4800" b="1" dirty="0" smtClean="0">
                 <a:solidFill>
                   <a:srgbClr val="660033"/>
                 </a:solidFill>
+                <a:effectLst/>
               </a:rPr>
-              <a:t>3</a:t>
-            </a:r>
-            <a:r>
-              <a:rPr lang="en-US" sz="7200" b="1" dirty="0">
-                <a:solidFill>
-                  <a:srgbClr val="660033"/>
-                </a:solidFill>
-              </a:rPr>
-              <a:t>.</a:t>
-            </a:r>
-            <a:endParaRPr lang="vi-VN" sz="7200" b="1" dirty="0">
+              <a:t>( 3 )</a:t>
+            </a:r>
+            <a:endParaRPr lang="vi-VN" sz="4800" b="1" dirty="0">
               <a:solidFill>
                 <a:srgbClr val="660033"/>
               </a:solidFill>
+              <a:effectLst/>
             </a:endParaRPr>
           </a:p>
         </p:txBody>
@@ -3728,13 +3694,6 @@
               </a:rPr>
               <a:t>讚美我救主  晝夜不分</a:t>
             </a:r>
-            <a:endParaRPr lang="zh-TW" altLang="en-US" sz="6400" b="1" dirty="0">
-              <a:solidFill>
-                <a:srgbClr val="660033"/>
-              </a:solidFill>
-              <a:latin typeface="Microsoft JhengHei" panose="020B0604030504040204" pitchFamily="34" charset="-120"/>
-              <a:ea typeface="Microsoft JhengHei" panose="020B0604030504040204" pitchFamily="34" charset="-120"/>
-            </a:endParaRPr>
           </a:p>
         </p:txBody>
       </p:sp>
@@ -3823,7 +3782,27 @@
                 <a:latin typeface="Microsoft JhengHei" panose="020B0604030504040204" pitchFamily="34" charset="-120"/>
                 <a:ea typeface="Microsoft JhengHei" panose="020B0604030504040204" pitchFamily="34" charset="-120"/>
               </a:rPr>
-              <a:t>何等的榮耀   向我顯明</a:t>
+              <a:t>何等的榮耀 </a:t>
+            </a:r>
+            <a:r>
+              <a:rPr lang="zh-TW" altLang="en-US" sz="6400" b="1" dirty="0" smtClean="0">
+                <a:solidFill>
+                  <a:srgbClr val="660033"/>
+                </a:solidFill>
+                <a:latin typeface="Microsoft JhengHei" panose="020B0604030504040204" pitchFamily="34" charset="-120"/>
+                <a:ea typeface="Microsoft JhengHei" panose="020B0604030504040204" pitchFamily="34" charset="-120"/>
+              </a:rPr>
+              <a:t> </a:t>
+            </a:r>
+            <a:r>
+              <a:rPr lang="zh-TW" altLang="en-US" sz="6400" b="1" dirty="0">
+                <a:solidFill>
+                  <a:srgbClr val="660033"/>
+                </a:solidFill>
+                <a:latin typeface="Microsoft JhengHei" panose="020B0604030504040204" pitchFamily="34" charset="-120"/>
+                <a:ea typeface="Microsoft JhengHei" panose="020B0604030504040204" pitchFamily="34" charset="-120"/>
+              </a:rPr>
+              <a:t>向我顯明</a:t>
             </a:r>
             <a:endParaRPr lang="en-US" altLang="zh-TW" sz="6400" b="1" dirty="0">
               <a:solidFill>
@@ -3837,14 +3816,14 @@
       </p:sp>
       <p:sp>
         <p:nvSpPr>
-          <p:cNvPr id="3" name="TextBox 2"/>
+          <p:cNvPr id="4" name="TextBox 3"/>
           <p:cNvSpPr txBox="1"/>
           <p:nvPr/>
         </p:nvSpPr>
         <p:spPr>
           <a:xfrm>
-            <a:off x="527381" y="2180862"/>
-            <a:ext cx="1248139" cy="1200329"/>
+            <a:off x="0" y="5085184"/>
+            <a:ext cx="12192000" cy="830997"/>
           </a:xfrm>
           <a:prstGeom prst="rect">
             <a:avLst/>
@@ -3857,18 +3836,21 @@
           </a:bodyPr>
           <a:lstStyle/>
           <a:p>
-            <a:r>
-              <a:rPr lang="en-US" sz="7200" b="1" dirty="0">
+            <a:pPr algn="ctr"/>
+            <a:r>
+              <a:rPr lang="en-US" sz="4800" b="1" dirty="0" smtClean="0">
                 <a:solidFill>
                   <a:srgbClr val="660033"/>
                 </a:solidFill>
+                <a:effectLst/>
               </a:rPr>
-              <a:t>1.</a:t>
-            </a:r>
-            <a:endParaRPr lang="vi-VN" sz="7200" b="1" dirty="0">
+              <a:t>( 1 )</a:t>
+            </a:r>
+            <a:endParaRPr lang="vi-VN" sz="4800" b="1" dirty="0">
               <a:solidFill>
                 <a:srgbClr val="660033"/>
               </a:solidFill>
+              <a:effectLst/>
             </a:endParaRPr>
           </a:p>
         </p:txBody>
@@ -3960,26 +3942,19 @@
               </a:rPr>
               <a:t>罪全得洗淨  聖靈再生</a:t>
             </a:r>
-            <a:endParaRPr lang="zh-TW" altLang="en-US" sz="6400" b="1" dirty="0">
-              <a:solidFill>
-                <a:srgbClr val="660033"/>
-              </a:solidFill>
-              <a:latin typeface="Microsoft JhengHei" panose="020B0604030504040204" pitchFamily="34" charset="-120"/>
-              <a:ea typeface="Microsoft JhengHei" panose="020B0604030504040204" pitchFamily="34" charset="-120"/>
-            </a:endParaRPr>
-          </a:p>
-        </p:txBody>
-      </p:sp>
-      <p:sp>
-        <p:nvSpPr>
-          <p:cNvPr id="3" name="TextBox 2"/>
+          </a:p>
+        </p:txBody>
+      </p:sp>
+      <p:sp>
+        <p:nvSpPr>
+          <p:cNvPr id="4" name="TextBox 3"/>
           <p:cNvSpPr txBox="1"/>
           <p:nvPr/>
         </p:nvSpPr>
         <p:spPr>
           <a:xfrm>
-            <a:off x="527381" y="2180862"/>
-            <a:ext cx="1248139" cy="1200329"/>
+            <a:off x="0" y="5085184"/>
+            <a:ext cx="12192000" cy="830997"/>
           </a:xfrm>
           <a:prstGeom prst="rect">
             <a:avLst/>
@@ -3992,18 +3967,21 @@
           </a:bodyPr>
           <a:lstStyle/>
           <a:p>
-            <a:r>
-              <a:rPr lang="en-US" sz="7200" b="1" dirty="0">
+            <a:pPr algn="ctr"/>
+            <a:r>
+              <a:rPr lang="en-US" sz="4800" b="1" dirty="0" smtClean="0">
                 <a:solidFill>
                   <a:srgbClr val="660033"/>
                 </a:solidFill>
+                <a:effectLst/>
               </a:rPr>
-              <a:t>1.</a:t>
-            </a:r>
-            <a:endParaRPr lang="vi-VN" sz="7200" b="1" dirty="0">
+              <a:t>( 1 )</a:t>
+            </a:r>
+            <a:endParaRPr lang="vi-VN" sz="4800" b="1" dirty="0">
               <a:solidFill>
                 <a:srgbClr val="660033"/>
               </a:solidFill>
+              <a:effectLst/>
             </a:endParaRPr>
           </a:p>
         </p:txBody>
@@ -4192,13 +4170,6 @@
               </a:rPr>
               <a:t>讚美我救主  晝夜不分</a:t>
             </a:r>
-            <a:endParaRPr lang="zh-TW" altLang="en-US" sz="6400" b="1" dirty="0">
-              <a:solidFill>
-                <a:srgbClr val="660033"/>
-              </a:solidFill>
-              <a:latin typeface="Microsoft JhengHei" panose="020B0604030504040204" pitchFamily="34" charset="-120"/>
-              <a:ea typeface="Microsoft JhengHei" panose="020B0604030504040204" pitchFamily="34" charset="-120"/>
-            </a:endParaRPr>
           </a:p>
         </p:txBody>
       </p:sp>
@@ -4301,14 +4272,14 @@
       </p:sp>
       <p:sp>
         <p:nvSpPr>
-          <p:cNvPr id="3" name="TextBox 2"/>
+          <p:cNvPr id="4" name="TextBox 3"/>
           <p:cNvSpPr txBox="1"/>
           <p:nvPr/>
         </p:nvSpPr>
         <p:spPr>
           <a:xfrm>
-            <a:off x="527381" y="2180862"/>
-            <a:ext cx="1248139" cy="1200329"/>
+            <a:off x="0" y="5085184"/>
+            <a:ext cx="12192000" cy="830997"/>
           </a:xfrm>
           <a:prstGeom prst="rect">
             <a:avLst/>
@@ -4321,26 +4292,21 @@
           </a:bodyPr>
           <a:lstStyle/>
           <a:p>
-            <a:r>
-              <a:rPr lang="en-US" sz="7200" b="1" dirty="0">
+            <a:pPr algn="ctr"/>
+            <a:r>
+              <a:rPr lang="en-US" sz="4800" b="1" dirty="0" smtClean="0">
                 <a:solidFill>
                   <a:srgbClr val="660033"/>
                 </a:solidFill>
+                <a:effectLst/>
               </a:rPr>
-              <a:t>2</a:t>
-            </a:r>
-            <a:r>
-              <a:rPr lang="en-US" sz="7200" b="1" dirty="0">
-                <a:solidFill>
-                  <a:srgbClr val="660033"/>
-                </a:solidFill>
-              </a:rPr>
-              <a:t>.</a:t>
-            </a:r>
-            <a:endParaRPr lang="vi-VN" sz="7200" b="1" dirty="0">
+              <a:t>( 2 )</a:t>
+            </a:r>
+            <a:endParaRPr lang="vi-VN" sz="4800" b="1" dirty="0">
               <a:solidFill>
                 <a:srgbClr val="660033"/>
               </a:solidFill>
+              <a:effectLst/>
             </a:endParaRPr>
           </a:p>
         </p:txBody>
@@ -4432,26 +4398,19 @@
               </a:rPr>
               <a:t>報明主慈愛  並主愛憐</a:t>
             </a:r>
-            <a:endParaRPr lang="zh-TW" altLang="en-US" sz="6400" b="1" dirty="0">
-              <a:solidFill>
-                <a:srgbClr val="660033"/>
-              </a:solidFill>
-              <a:latin typeface="Microsoft JhengHei" panose="020B0604030504040204" pitchFamily="34" charset="-120"/>
-              <a:ea typeface="Microsoft JhengHei" panose="020B0604030504040204" pitchFamily="34" charset="-120"/>
-            </a:endParaRPr>
-          </a:p>
-        </p:txBody>
-      </p:sp>
-      <p:sp>
-        <p:nvSpPr>
-          <p:cNvPr id="3" name="TextBox 2"/>
+          </a:p>
+        </p:txBody>
+      </p:sp>
+      <p:sp>
+        <p:nvSpPr>
+          <p:cNvPr id="4" name="TextBox 3"/>
           <p:cNvSpPr txBox="1"/>
           <p:nvPr/>
         </p:nvSpPr>
         <p:spPr>
           <a:xfrm>
-            <a:off x="527381" y="2180862"/>
-            <a:ext cx="1248139" cy="1200329"/>
+            <a:off x="0" y="5085184"/>
+            <a:ext cx="12192000" cy="830997"/>
           </a:xfrm>
           <a:prstGeom prst="rect">
             <a:avLst/>
@@ -4464,26 +4423,21 @@
           </a:bodyPr>
           <a:lstStyle/>
           <a:p>
-            <a:r>
-              <a:rPr lang="en-US" sz="7200" b="1" dirty="0">
+            <a:pPr algn="ctr"/>
+            <a:r>
+              <a:rPr lang="en-US" sz="4800" b="1" dirty="0" smtClean="0">
                 <a:solidFill>
                   <a:srgbClr val="660033"/>
                 </a:solidFill>
+                <a:effectLst/>
               </a:rPr>
-              <a:t>2</a:t>
-            </a:r>
-            <a:r>
-              <a:rPr lang="en-US" sz="7200" b="1" dirty="0">
-                <a:solidFill>
-                  <a:srgbClr val="660033"/>
-                </a:solidFill>
-              </a:rPr>
-              <a:t>.</a:t>
-            </a:r>
-            <a:endParaRPr lang="vi-VN" sz="7200" b="1" dirty="0">
+              <a:t>( 2 )</a:t>
+            </a:r>
+            <a:endParaRPr lang="vi-VN" sz="4800" b="1" dirty="0">
               <a:solidFill>
                 <a:srgbClr val="660033"/>
               </a:solidFill>
+              <a:effectLst/>
             </a:endParaRPr>
           </a:p>
         </p:txBody>
@@ -4672,13 +4626,6 @@
               </a:rPr>
               <a:t>讚美我救主  晝夜不分</a:t>
             </a:r>
-            <a:endParaRPr lang="zh-TW" altLang="en-US" sz="6400" b="1" dirty="0">
-              <a:solidFill>
-                <a:srgbClr val="660033"/>
-              </a:solidFill>
-              <a:latin typeface="Microsoft JhengHei" panose="020B0604030504040204" pitchFamily="34" charset="-120"/>
-              <a:ea typeface="Microsoft JhengHei" panose="020B0604030504040204" pitchFamily="34" charset="-120"/>
-            </a:endParaRPr>
           </a:p>
         </p:txBody>
       </p:sp>

--- a/宣道詩/(宣道詩103)有福的確據.pptx
+++ b/宣道詩/(宣道詩103)有福的確據.pptx
@@ -316,7 +316,7 @@
           <a:p>
             <a:fld id="{0FAE10D4-71CF-4D34-82D9-09C2E9014CD6}" type="datetimeFigureOut">
               <a:rPr lang="zh-TW" altLang="en-US" smtClean="0"/>
-              <a:t>2021/7/13</a:t>
+              <a:t>2022/4/2</a:t>
             </a:fld>
             <a:endParaRPr lang="zh-TW" altLang="en-US"/>
           </a:p>
@@ -486,7 +486,7 @@
           <a:p>
             <a:fld id="{0FAE10D4-71CF-4D34-82D9-09C2E9014CD6}" type="datetimeFigureOut">
               <a:rPr lang="zh-TW" altLang="en-US" smtClean="0"/>
-              <a:t>2021/7/13</a:t>
+              <a:t>2022/4/2</a:t>
             </a:fld>
             <a:endParaRPr lang="zh-TW" altLang="en-US"/>
           </a:p>
@@ -666,7 +666,7 @@
           <a:p>
             <a:fld id="{0FAE10D4-71CF-4D34-82D9-09C2E9014CD6}" type="datetimeFigureOut">
               <a:rPr lang="zh-TW" altLang="en-US" smtClean="0"/>
-              <a:t>2021/7/13</a:t>
+              <a:t>2022/4/2</a:t>
             </a:fld>
             <a:endParaRPr lang="zh-TW" altLang="en-US"/>
           </a:p>
@@ -836,7 +836,7 @@
           <a:p>
             <a:fld id="{0FAE10D4-71CF-4D34-82D9-09C2E9014CD6}" type="datetimeFigureOut">
               <a:rPr lang="zh-TW" altLang="en-US" smtClean="0"/>
-              <a:t>2021/7/13</a:t>
+              <a:t>2022/4/2</a:t>
             </a:fld>
             <a:endParaRPr lang="zh-TW" altLang="en-US"/>
           </a:p>
@@ -1082,7 +1082,7 @@
           <a:p>
             <a:fld id="{0FAE10D4-71CF-4D34-82D9-09C2E9014CD6}" type="datetimeFigureOut">
               <a:rPr lang="zh-TW" altLang="en-US" smtClean="0"/>
-              <a:t>2021/7/13</a:t>
+              <a:t>2022/4/2</a:t>
             </a:fld>
             <a:endParaRPr lang="zh-TW" altLang="en-US"/>
           </a:p>
@@ -1370,7 +1370,7 @@
           <a:p>
             <a:fld id="{0FAE10D4-71CF-4D34-82D9-09C2E9014CD6}" type="datetimeFigureOut">
               <a:rPr lang="zh-TW" altLang="en-US" smtClean="0"/>
-              <a:t>2021/7/13</a:t>
+              <a:t>2022/4/2</a:t>
             </a:fld>
             <a:endParaRPr lang="zh-TW" altLang="en-US"/>
           </a:p>
@@ -1792,7 +1792,7 @@
           <a:p>
             <a:fld id="{0FAE10D4-71CF-4D34-82D9-09C2E9014CD6}" type="datetimeFigureOut">
               <a:rPr lang="zh-TW" altLang="en-US" smtClean="0"/>
-              <a:t>2021/7/13</a:t>
+              <a:t>2022/4/2</a:t>
             </a:fld>
             <a:endParaRPr lang="zh-TW" altLang="en-US"/>
           </a:p>
@@ -1910,7 +1910,7 @@
           <a:p>
             <a:fld id="{0FAE10D4-71CF-4D34-82D9-09C2E9014CD6}" type="datetimeFigureOut">
               <a:rPr lang="zh-TW" altLang="en-US" smtClean="0"/>
-              <a:t>2021/7/13</a:t>
+              <a:t>2022/4/2</a:t>
             </a:fld>
             <a:endParaRPr lang="zh-TW" altLang="en-US"/>
           </a:p>
@@ -2005,7 +2005,7 @@
           <a:p>
             <a:fld id="{0FAE10D4-71CF-4D34-82D9-09C2E9014CD6}" type="datetimeFigureOut">
               <a:rPr lang="zh-TW" altLang="en-US" smtClean="0"/>
-              <a:t>2021/7/13</a:t>
+              <a:t>2022/4/2</a:t>
             </a:fld>
             <a:endParaRPr lang="zh-TW" altLang="en-US"/>
           </a:p>
@@ -2282,7 +2282,7 @@
           <a:p>
             <a:fld id="{0FAE10D4-71CF-4D34-82D9-09C2E9014CD6}" type="datetimeFigureOut">
               <a:rPr lang="zh-TW" altLang="en-US" smtClean="0"/>
-              <a:t>2021/7/13</a:t>
+              <a:t>2022/4/2</a:t>
             </a:fld>
             <a:endParaRPr lang="zh-TW" altLang="en-US"/>
           </a:p>
@@ -2539,7 +2539,7 @@
           <a:p>
             <a:fld id="{0FAE10D4-71CF-4D34-82D9-09C2E9014CD6}" type="datetimeFigureOut">
               <a:rPr lang="zh-TW" altLang="en-US" smtClean="0"/>
-              <a:t>2021/7/13</a:t>
+              <a:t>2022/4/2</a:t>
             </a:fld>
             <a:endParaRPr lang="zh-TW" altLang="en-US"/>
           </a:p>
@@ -2757,7 +2757,7 @@
           <a:p>
             <a:fld id="{0FAE10D4-71CF-4D34-82D9-09C2E9014CD6}" type="datetimeFigureOut">
               <a:rPr lang="zh-TW" altLang="en-US" smtClean="0"/>
-              <a:t>2021/7/13</a:t>
+              <a:t>2022/4/2</a:t>
             </a:fld>
             <a:endParaRPr lang="zh-TW" altLang="en-US"/>
           </a:p>
@@ -3362,19 +3362,33 @@
           <a:p>
             <a:pPr algn="ctr"/>
             <a:r>
+              <a:rPr lang="en-US" sz="4800" b="1" dirty="0">
+                <a:solidFill>
+                  <a:srgbClr val="660033"/>
+                </a:solidFill>
+              </a:rPr>
+              <a:t>( </a:t>
+            </a:r>
+            <a:r>
               <a:rPr lang="en-US" sz="4800" b="1" dirty="0" smtClean="0">
                 <a:solidFill>
                   <a:srgbClr val="660033"/>
                 </a:solidFill>
-                <a:effectLst/>
               </a:rPr>
-              <a:t>( 3 )</a:t>
+              <a:t>3 </a:t>
+            </a:r>
+            <a:r>
+              <a:rPr lang="en-US" sz="4800" b="1" dirty="0">
+                <a:solidFill>
+                  <a:srgbClr val="660033"/>
+                </a:solidFill>
+              </a:rPr>
+              <a:t>– 3 )</a:t>
             </a:r>
             <a:endParaRPr lang="vi-VN" sz="4800" b="1" dirty="0">
               <a:solidFill>
                 <a:srgbClr val="660033"/>
               </a:solidFill>
-              <a:effectLst/>
             </a:endParaRPr>
           </a:p>
         </p:txBody>
@@ -3493,19 +3507,17 @@
           <a:p>
             <a:pPr algn="ctr"/>
             <a:r>
-              <a:rPr lang="en-US" sz="4800" b="1" dirty="0" smtClean="0">
+              <a:rPr lang="en-US" sz="4800" b="1" dirty="0">
                 <a:solidFill>
                   <a:srgbClr val="660033"/>
                 </a:solidFill>
-                <a:effectLst/>
               </a:rPr>
-              <a:t>( 3 )</a:t>
+              <a:t>( 3 – 3 )</a:t>
             </a:r>
             <a:endParaRPr lang="vi-VN" sz="4800" b="1" dirty="0">
               <a:solidFill>
                 <a:srgbClr val="660033"/>
               </a:solidFill>
-              <a:effectLst/>
             </a:endParaRPr>
           </a:p>
         </p:txBody>
@@ -3844,7 +3856,25 @@
                 </a:solidFill>
                 <a:effectLst/>
               </a:rPr>
-              <a:t>( 1 )</a:t>
+              <a:t>( </a:t>
+            </a:r>
+            <a:r>
+              <a:rPr lang="en-US" sz="4800" b="1" dirty="0" smtClean="0">
+                <a:solidFill>
+                  <a:srgbClr val="660033"/>
+                </a:solidFill>
+                <a:effectLst/>
+              </a:rPr>
+              <a:t>1 – 3 </a:t>
+            </a:r>
+            <a:r>
+              <a:rPr lang="en-US" sz="4800" b="1" dirty="0" smtClean="0">
+                <a:solidFill>
+                  <a:srgbClr val="660033"/>
+                </a:solidFill>
+                <a:effectLst/>
+              </a:rPr>
+              <a:t>)</a:t>
             </a:r>
             <a:endParaRPr lang="vi-VN" sz="4800" b="1" dirty="0">
               <a:solidFill>
@@ -3969,19 +3999,17 @@
           <a:p>
             <a:pPr algn="ctr"/>
             <a:r>
-              <a:rPr lang="en-US" sz="4800" b="1" dirty="0" smtClean="0">
+              <a:rPr lang="en-US" sz="4800" b="1" dirty="0">
                 <a:solidFill>
                   <a:srgbClr val="660033"/>
                 </a:solidFill>
-                <a:effectLst/>
               </a:rPr>
-              <a:t>( 1 )</a:t>
+              <a:t>( 1 – 3 )</a:t>
             </a:r>
             <a:endParaRPr lang="vi-VN" sz="4800" b="1" dirty="0">
               <a:solidFill>
                 <a:srgbClr val="660033"/>
               </a:solidFill>
-              <a:effectLst/>
             </a:endParaRPr>
           </a:p>
         </p:txBody>
@@ -4294,19 +4322,33 @@
           <a:p>
             <a:pPr algn="ctr"/>
             <a:r>
+              <a:rPr lang="en-US" sz="4800" b="1" dirty="0">
+                <a:solidFill>
+                  <a:srgbClr val="660033"/>
+                </a:solidFill>
+              </a:rPr>
+              <a:t>( </a:t>
+            </a:r>
+            <a:r>
               <a:rPr lang="en-US" sz="4800" b="1" dirty="0" smtClean="0">
                 <a:solidFill>
                   <a:srgbClr val="660033"/>
                 </a:solidFill>
-                <a:effectLst/>
               </a:rPr>
-              <a:t>( 2 )</a:t>
+              <a:t>2 </a:t>
+            </a:r>
+            <a:r>
+              <a:rPr lang="en-US" sz="4800" b="1" dirty="0">
+                <a:solidFill>
+                  <a:srgbClr val="660033"/>
+                </a:solidFill>
+              </a:rPr>
+              <a:t>– 3 )</a:t>
             </a:r>
             <a:endParaRPr lang="vi-VN" sz="4800" b="1" dirty="0">
               <a:solidFill>
                 <a:srgbClr val="660033"/>
               </a:solidFill>
-              <a:effectLst/>
             </a:endParaRPr>
           </a:p>
         </p:txBody>
@@ -4425,19 +4467,17 @@
           <a:p>
             <a:pPr algn="ctr"/>
             <a:r>
-              <a:rPr lang="en-US" sz="4800" b="1" dirty="0" smtClean="0">
+              <a:rPr lang="en-US" sz="4800" b="1" dirty="0">
                 <a:solidFill>
                   <a:srgbClr val="660033"/>
                 </a:solidFill>
-                <a:effectLst/>
               </a:rPr>
-              <a:t>( 2 )</a:t>
+              <a:t>( 2 – 3 )</a:t>
             </a:r>
             <a:endParaRPr lang="vi-VN" sz="4800" b="1" dirty="0">
               <a:solidFill>
                 <a:srgbClr val="660033"/>
               </a:solidFill>
-              <a:effectLst/>
             </a:endParaRPr>
           </a:p>
         </p:txBody>

--- a/宣道詩/(宣道詩103)有福的確據.pptx
+++ b/宣道詩/(宣道詩103)有福的確據.pptx
@@ -316,7 +316,7 @@
           <a:p>
             <a:fld id="{0FAE10D4-71CF-4D34-82D9-09C2E9014CD6}" type="datetimeFigureOut">
               <a:rPr lang="zh-TW" altLang="en-US" smtClean="0"/>
-              <a:t>2022/4/2</a:t>
+              <a:t>2022/8/27</a:t>
             </a:fld>
             <a:endParaRPr lang="zh-TW" altLang="en-US"/>
           </a:p>
@@ -486,7 +486,7 @@
           <a:p>
             <a:fld id="{0FAE10D4-71CF-4D34-82D9-09C2E9014CD6}" type="datetimeFigureOut">
               <a:rPr lang="zh-TW" altLang="en-US" smtClean="0"/>
-              <a:t>2022/4/2</a:t>
+              <a:t>2022/8/27</a:t>
             </a:fld>
             <a:endParaRPr lang="zh-TW" altLang="en-US"/>
           </a:p>
@@ -666,7 +666,7 @@
           <a:p>
             <a:fld id="{0FAE10D4-71CF-4D34-82D9-09C2E9014CD6}" type="datetimeFigureOut">
               <a:rPr lang="zh-TW" altLang="en-US" smtClean="0"/>
-              <a:t>2022/4/2</a:t>
+              <a:t>2022/8/27</a:t>
             </a:fld>
             <a:endParaRPr lang="zh-TW" altLang="en-US"/>
           </a:p>
@@ -836,7 +836,7 @@
           <a:p>
             <a:fld id="{0FAE10D4-71CF-4D34-82D9-09C2E9014CD6}" type="datetimeFigureOut">
               <a:rPr lang="zh-TW" altLang="en-US" smtClean="0"/>
-              <a:t>2022/4/2</a:t>
+              <a:t>2022/8/27</a:t>
             </a:fld>
             <a:endParaRPr lang="zh-TW" altLang="en-US"/>
           </a:p>
@@ -1082,7 +1082,7 @@
           <a:p>
             <a:fld id="{0FAE10D4-71CF-4D34-82D9-09C2E9014CD6}" type="datetimeFigureOut">
               <a:rPr lang="zh-TW" altLang="en-US" smtClean="0"/>
-              <a:t>2022/4/2</a:t>
+              <a:t>2022/8/27</a:t>
             </a:fld>
             <a:endParaRPr lang="zh-TW" altLang="en-US"/>
           </a:p>
@@ -1370,7 +1370,7 @@
           <a:p>
             <a:fld id="{0FAE10D4-71CF-4D34-82D9-09C2E9014CD6}" type="datetimeFigureOut">
               <a:rPr lang="zh-TW" altLang="en-US" smtClean="0"/>
-              <a:t>2022/4/2</a:t>
+              <a:t>2022/8/27</a:t>
             </a:fld>
             <a:endParaRPr lang="zh-TW" altLang="en-US"/>
           </a:p>
@@ -1792,7 +1792,7 @@
           <a:p>
             <a:fld id="{0FAE10D4-71CF-4D34-82D9-09C2E9014CD6}" type="datetimeFigureOut">
               <a:rPr lang="zh-TW" altLang="en-US" smtClean="0"/>
-              <a:t>2022/4/2</a:t>
+              <a:t>2022/8/27</a:t>
             </a:fld>
             <a:endParaRPr lang="zh-TW" altLang="en-US"/>
           </a:p>
@@ -1910,7 +1910,7 @@
           <a:p>
             <a:fld id="{0FAE10D4-71CF-4D34-82D9-09C2E9014CD6}" type="datetimeFigureOut">
               <a:rPr lang="zh-TW" altLang="en-US" smtClean="0"/>
-              <a:t>2022/4/2</a:t>
+              <a:t>2022/8/27</a:t>
             </a:fld>
             <a:endParaRPr lang="zh-TW" altLang="en-US"/>
           </a:p>
@@ -2005,7 +2005,7 @@
           <a:p>
             <a:fld id="{0FAE10D4-71CF-4D34-82D9-09C2E9014CD6}" type="datetimeFigureOut">
               <a:rPr lang="zh-TW" altLang="en-US" smtClean="0"/>
-              <a:t>2022/4/2</a:t>
+              <a:t>2022/8/27</a:t>
             </a:fld>
             <a:endParaRPr lang="zh-TW" altLang="en-US"/>
           </a:p>
@@ -2282,7 +2282,7 @@
           <a:p>
             <a:fld id="{0FAE10D4-71CF-4D34-82D9-09C2E9014CD6}" type="datetimeFigureOut">
               <a:rPr lang="zh-TW" altLang="en-US" smtClean="0"/>
-              <a:t>2022/4/2</a:t>
+              <a:t>2022/8/27</a:t>
             </a:fld>
             <a:endParaRPr lang="zh-TW" altLang="en-US"/>
           </a:p>
@@ -2539,7 +2539,7 @@
           <a:p>
             <a:fld id="{0FAE10D4-71CF-4D34-82D9-09C2E9014CD6}" type="datetimeFigureOut">
               <a:rPr lang="zh-TW" altLang="en-US" smtClean="0"/>
-              <a:t>2022/4/2</a:t>
+              <a:t>2022/8/27</a:t>
             </a:fld>
             <a:endParaRPr lang="zh-TW" altLang="en-US"/>
           </a:p>
@@ -2757,7 +2757,7 @@
           <a:p>
             <a:fld id="{0FAE10D4-71CF-4D34-82D9-09C2E9014CD6}" type="datetimeFigureOut">
               <a:rPr lang="zh-TW" altLang="en-US" smtClean="0"/>
-              <a:t>2022/4/2</a:t>
+              <a:t>2022/8/27</a:t>
             </a:fld>
             <a:endParaRPr lang="zh-TW" altLang="en-US"/>
           </a:p>
@@ -3383,7 +3383,7 @@
                   <a:srgbClr val="660033"/>
                 </a:solidFill>
               </a:rPr>
-              <a:t>– 3 )</a:t>
+              <a:t>/ 3 )</a:t>
             </a:r>
             <a:endParaRPr lang="vi-VN" sz="4800" b="1" dirty="0">
               <a:solidFill>
@@ -3512,7 +3512,7 @@
                   <a:srgbClr val="660033"/>
                 </a:solidFill>
               </a:rPr>
-              <a:t>( 3 – 3 )</a:t>
+              <a:t>( 3 / 3 )</a:t>
             </a:r>
             <a:endParaRPr lang="vi-VN" sz="4800" b="1" dirty="0">
               <a:solidFill>
@@ -3856,7 +3856,7 @@
                 </a:solidFill>
                 <a:effectLst/>
               </a:rPr>
-              <a:t>( </a:t>
+              <a:t>( 1 </a:t>
             </a:r>
             <a:r>
               <a:rPr lang="en-US" sz="4800" b="1" dirty="0" smtClean="0">
@@ -3865,7 +3865,7 @@
                 </a:solidFill>
                 <a:effectLst/>
               </a:rPr>
-              <a:t>1 – 3 </a:t>
+              <a:t>/ </a:t>
             </a:r>
             <a:r>
               <a:rPr lang="en-US" sz="4800" b="1" dirty="0" smtClean="0">
@@ -3874,7 +3874,7 @@
                 </a:solidFill>
                 <a:effectLst/>
               </a:rPr>
-              <a:t>)</a:t>
+              <a:t>3 )</a:t>
             </a:r>
             <a:endParaRPr lang="vi-VN" sz="4800" b="1" dirty="0">
               <a:solidFill>
@@ -4004,7 +4004,7 @@
                   <a:srgbClr val="660033"/>
                 </a:solidFill>
               </a:rPr>
-              <a:t>( 1 – 3 )</a:t>
+              <a:t>( 1 / 3 )</a:t>
             </a:r>
             <a:endParaRPr lang="vi-VN" sz="4800" b="1" dirty="0">
               <a:solidFill>
@@ -4343,7 +4343,7 @@
                   <a:srgbClr val="660033"/>
                 </a:solidFill>
               </a:rPr>
-              <a:t>– 3 )</a:t>
+              <a:t>/ 3 )</a:t>
             </a:r>
             <a:endParaRPr lang="vi-VN" sz="4800" b="1" dirty="0">
               <a:solidFill>
@@ -4472,7 +4472,7 @@
                   <a:srgbClr val="660033"/>
                 </a:solidFill>
               </a:rPr>
-              <a:t>( 2 – 3 )</a:t>
+              <a:t>( 2 / 3 )</a:t>
             </a:r>
             <a:endParaRPr lang="vi-VN" sz="4800" b="1" dirty="0">
               <a:solidFill>
